--- a/ProjectReport/Architecture.pptx
+++ b/ProjectReport/Architecture.pptx
@@ -6,6 +6,7 @@
   </p:sldMasterIdLst>
   <p:sldIdLst>
     <p:sldId id="256" r:id="rId2"/>
+    <p:sldId id="257" r:id="rId3"/>
   </p:sldIdLst>
   <p:sldSz cx="12192000" cy="6858000"/>
   <p:notesSz cx="6858000" cy="9144000"/>
@@ -166,7 +167,7 @@
           </a:lstStyle>
           <a:p>
             <a:r>
-              <a:rPr lang="de-DE" smtClean="0"/>
+              <a:rPr lang="de-DE"/>
               <a:t>Titelmasterformat durch Klicken bearbeiten</a:t>
             </a:r>
             <a:endParaRPr lang="en-US"/>
@@ -231,7 +232,7 @@
           </a:lstStyle>
           <a:p>
             <a:r>
-              <a:rPr lang="de-DE" smtClean="0"/>
+              <a:rPr lang="de-DE"/>
               <a:t>Formatvorlage des Untertitelmasters durch Klicken bearbeiten</a:t>
             </a:r>
             <a:endParaRPr lang="en-US"/>
@@ -255,7 +256,7 @@
           <a:p>
             <a:fld id="{255773D3-74C1-4A48-BCF5-4DD3F045BF55}" type="datetimeFigureOut">
               <a:rPr lang="en-US" smtClean="0"/>
-              <a:t>10/18/2016</a:t>
+              <a:t>11/27/2016</a:t>
             </a:fld>
             <a:endParaRPr lang="en-US"/>
           </a:p>
@@ -349,7 +350,7 @@
           <a:lstStyle/>
           <a:p>
             <a:r>
-              <a:rPr lang="de-DE" smtClean="0"/>
+              <a:rPr lang="de-DE"/>
               <a:t>Titelmasterformat durch Klicken bearbeiten</a:t>
             </a:r>
             <a:endParaRPr lang="en-US"/>
@@ -373,35 +374,35 @@
           <a:p>
             <a:pPr lvl="0"/>
             <a:r>
-              <a:rPr lang="de-DE" smtClean="0"/>
+              <a:rPr lang="de-DE"/>
               <a:t>Textmasterformat bearbeiten</a:t>
             </a:r>
           </a:p>
           <a:p>
             <a:pPr lvl="1"/>
             <a:r>
-              <a:rPr lang="de-DE" smtClean="0"/>
+              <a:rPr lang="de-DE"/>
               <a:t>Zweite Ebene</a:t>
             </a:r>
           </a:p>
           <a:p>
             <a:pPr lvl="2"/>
             <a:r>
-              <a:rPr lang="de-DE" smtClean="0"/>
+              <a:rPr lang="de-DE"/>
               <a:t>Dritte Ebene</a:t>
             </a:r>
           </a:p>
           <a:p>
             <a:pPr lvl="3"/>
             <a:r>
-              <a:rPr lang="de-DE" smtClean="0"/>
+              <a:rPr lang="de-DE"/>
               <a:t>Vierte Ebene</a:t>
             </a:r>
           </a:p>
           <a:p>
             <a:pPr lvl="4"/>
             <a:r>
-              <a:rPr lang="de-DE" smtClean="0"/>
+              <a:rPr lang="de-DE"/>
               <a:t>Fünfte Ebene</a:t>
             </a:r>
             <a:endParaRPr lang="en-US"/>
@@ -425,7 +426,7 @@
           <a:p>
             <a:fld id="{255773D3-74C1-4A48-BCF5-4DD3F045BF55}" type="datetimeFigureOut">
               <a:rPr lang="en-US" smtClean="0"/>
-              <a:t>10/18/2016</a:t>
+              <a:t>11/27/2016</a:t>
             </a:fld>
             <a:endParaRPr lang="en-US"/>
           </a:p>
@@ -524,7 +525,7 @@
           <a:lstStyle/>
           <a:p>
             <a:r>
-              <a:rPr lang="de-DE" smtClean="0"/>
+              <a:rPr lang="de-DE"/>
               <a:t>Titelmasterformat durch Klicken bearbeiten</a:t>
             </a:r>
             <a:endParaRPr lang="en-US"/>
@@ -553,35 +554,35 @@
           <a:p>
             <a:pPr lvl="0"/>
             <a:r>
-              <a:rPr lang="de-DE" smtClean="0"/>
+              <a:rPr lang="de-DE"/>
               <a:t>Textmasterformat bearbeiten</a:t>
             </a:r>
           </a:p>
           <a:p>
             <a:pPr lvl="1"/>
             <a:r>
-              <a:rPr lang="de-DE" smtClean="0"/>
+              <a:rPr lang="de-DE"/>
               <a:t>Zweite Ebene</a:t>
             </a:r>
           </a:p>
           <a:p>
             <a:pPr lvl="2"/>
             <a:r>
-              <a:rPr lang="de-DE" smtClean="0"/>
+              <a:rPr lang="de-DE"/>
               <a:t>Dritte Ebene</a:t>
             </a:r>
           </a:p>
           <a:p>
             <a:pPr lvl="3"/>
             <a:r>
-              <a:rPr lang="de-DE" smtClean="0"/>
+              <a:rPr lang="de-DE"/>
               <a:t>Vierte Ebene</a:t>
             </a:r>
           </a:p>
           <a:p>
             <a:pPr lvl="4"/>
             <a:r>
-              <a:rPr lang="de-DE" smtClean="0"/>
+              <a:rPr lang="de-DE"/>
               <a:t>Fünfte Ebene</a:t>
             </a:r>
             <a:endParaRPr lang="en-US"/>
@@ -605,7 +606,7 @@
           <a:p>
             <a:fld id="{255773D3-74C1-4A48-BCF5-4DD3F045BF55}" type="datetimeFigureOut">
               <a:rPr lang="en-US" smtClean="0"/>
-              <a:t>10/18/2016</a:t>
+              <a:t>11/27/2016</a:t>
             </a:fld>
             <a:endParaRPr lang="en-US"/>
           </a:p>
@@ -699,7 +700,7 @@
           <a:lstStyle/>
           <a:p>
             <a:r>
-              <a:rPr lang="de-DE" smtClean="0"/>
+              <a:rPr lang="de-DE"/>
               <a:t>Titelmasterformat durch Klicken bearbeiten</a:t>
             </a:r>
             <a:endParaRPr lang="en-US"/>
@@ -723,35 +724,35 @@
           <a:p>
             <a:pPr lvl="0"/>
             <a:r>
-              <a:rPr lang="de-DE" smtClean="0"/>
+              <a:rPr lang="de-DE"/>
               <a:t>Textmasterformat bearbeiten</a:t>
             </a:r>
           </a:p>
           <a:p>
             <a:pPr lvl="1"/>
             <a:r>
-              <a:rPr lang="de-DE" smtClean="0"/>
+              <a:rPr lang="de-DE"/>
               <a:t>Zweite Ebene</a:t>
             </a:r>
           </a:p>
           <a:p>
             <a:pPr lvl="2"/>
             <a:r>
-              <a:rPr lang="de-DE" smtClean="0"/>
+              <a:rPr lang="de-DE"/>
               <a:t>Dritte Ebene</a:t>
             </a:r>
           </a:p>
           <a:p>
             <a:pPr lvl="3"/>
             <a:r>
-              <a:rPr lang="de-DE" smtClean="0"/>
+              <a:rPr lang="de-DE"/>
               <a:t>Vierte Ebene</a:t>
             </a:r>
           </a:p>
           <a:p>
             <a:pPr lvl="4"/>
             <a:r>
-              <a:rPr lang="de-DE" smtClean="0"/>
+              <a:rPr lang="de-DE"/>
               <a:t>Fünfte Ebene</a:t>
             </a:r>
             <a:endParaRPr lang="en-US"/>
@@ -775,7 +776,7 @@
           <a:p>
             <a:fld id="{255773D3-74C1-4A48-BCF5-4DD3F045BF55}" type="datetimeFigureOut">
               <a:rPr lang="en-US" smtClean="0"/>
-              <a:t>10/18/2016</a:t>
+              <a:t>11/27/2016</a:t>
             </a:fld>
             <a:endParaRPr lang="en-US"/>
           </a:p>
@@ -878,7 +879,7 @@
           </a:lstStyle>
           <a:p>
             <a:r>
-              <a:rPr lang="de-DE" smtClean="0"/>
+              <a:rPr lang="de-DE"/>
               <a:t>Titelmasterformat durch Klicken bearbeiten</a:t>
             </a:r>
             <a:endParaRPr lang="en-US"/>
@@ -998,7 +999,7 @@
           <a:p>
             <a:pPr lvl="0"/>
             <a:r>
-              <a:rPr lang="de-DE" smtClean="0"/>
+              <a:rPr lang="de-DE"/>
               <a:t>Textmasterformat bearbeiten</a:t>
             </a:r>
           </a:p>
@@ -1021,7 +1022,7 @@
           <a:p>
             <a:fld id="{255773D3-74C1-4A48-BCF5-4DD3F045BF55}" type="datetimeFigureOut">
               <a:rPr lang="en-US" smtClean="0"/>
-              <a:t>10/18/2016</a:t>
+              <a:t>11/27/2016</a:t>
             </a:fld>
             <a:endParaRPr lang="en-US"/>
           </a:p>
@@ -1115,7 +1116,7 @@
           <a:lstStyle/>
           <a:p>
             <a:r>
-              <a:rPr lang="de-DE" smtClean="0"/>
+              <a:rPr lang="de-DE"/>
               <a:t>Titelmasterformat durch Klicken bearbeiten</a:t>
             </a:r>
             <a:endParaRPr lang="en-US"/>
@@ -1144,35 +1145,35 @@
           <a:p>
             <a:pPr lvl="0"/>
             <a:r>
-              <a:rPr lang="de-DE" smtClean="0"/>
+              <a:rPr lang="de-DE"/>
               <a:t>Textmasterformat bearbeiten</a:t>
             </a:r>
           </a:p>
           <a:p>
             <a:pPr lvl="1"/>
             <a:r>
-              <a:rPr lang="de-DE" smtClean="0"/>
+              <a:rPr lang="de-DE"/>
               <a:t>Zweite Ebene</a:t>
             </a:r>
           </a:p>
           <a:p>
             <a:pPr lvl="2"/>
             <a:r>
-              <a:rPr lang="de-DE" smtClean="0"/>
+              <a:rPr lang="de-DE"/>
               <a:t>Dritte Ebene</a:t>
             </a:r>
           </a:p>
           <a:p>
             <a:pPr lvl="3"/>
             <a:r>
-              <a:rPr lang="de-DE" smtClean="0"/>
+              <a:rPr lang="de-DE"/>
               <a:t>Vierte Ebene</a:t>
             </a:r>
           </a:p>
           <a:p>
             <a:pPr lvl="4"/>
             <a:r>
-              <a:rPr lang="de-DE" smtClean="0"/>
+              <a:rPr lang="de-DE"/>
               <a:t>Fünfte Ebene</a:t>
             </a:r>
             <a:endParaRPr lang="en-US"/>
@@ -1201,35 +1202,35 @@
           <a:p>
             <a:pPr lvl="0"/>
             <a:r>
-              <a:rPr lang="de-DE" smtClean="0"/>
+              <a:rPr lang="de-DE"/>
               <a:t>Textmasterformat bearbeiten</a:t>
             </a:r>
           </a:p>
           <a:p>
             <a:pPr lvl="1"/>
             <a:r>
-              <a:rPr lang="de-DE" smtClean="0"/>
+              <a:rPr lang="de-DE"/>
               <a:t>Zweite Ebene</a:t>
             </a:r>
           </a:p>
           <a:p>
             <a:pPr lvl="2"/>
             <a:r>
-              <a:rPr lang="de-DE" smtClean="0"/>
+              <a:rPr lang="de-DE"/>
               <a:t>Dritte Ebene</a:t>
             </a:r>
           </a:p>
           <a:p>
             <a:pPr lvl="3"/>
             <a:r>
-              <a:rPr lang="de-DE" smtClean="0"/>
+              <a:rPr lang="de-DE"/>
               <a:t>Vierte Ebene</a:t>
             </a:r>
           </a:p>
           <a:p>
             <a:pPr lvl="4"/>
             <a:r>
-              <a:rPr lang="de-DE" smtClean="0"/>
+              <a:rPr lang="de-DE"/>
               <a:t>Fünfte Ebene</a:t>
             </a:r>
             <a:endParaRPr lang="en-US"/>
@@ -1253,7 +1254,7 @@
           <a:p>
             <a:fld id="{255773D3-74C1-4A48-BCF5-4DD3F045BF55}" type="datetimeFigureOut">
               <a:rPr lang="en-US" smtClean="0"/>
-              <a:t>10/18/2016</a:t>
+              <a:t>11/27/2016</a:t>
             </a:fld>
             <a:endParaRPr lang="en-US"/>
           </a:p>
@@ -1352,7 +1353,7 @@
           <a:lstStyle/>
           <a:p>
             <a:r>
-              <a:rPr lang="de-DE" smtClean="0"/>
+              <a:rPr lang="de-DE"/>
               <a:t>Titelmasterformat durch Klicken bearbeiten</a:t>
             </a:r>
             <a:endParaRPr lang="en-US"/>
@@ -1418,7 +1419,7 @@
           <a:p>
             <a:pPr lvl="0"/>
             <a:r>
-              <a:rPr lang="de-DE" smtClean="0"/>
+              <a:rPr lang="de-DE"/>
               <a:t>Textmasterformat bearbeiten</a:t>
             </a:r>
           </a:p>
@@ -1446,35 +1447,35 @@
           <a:p>
             <a:pPr lvl="0"/>
             <a:r>
-              <a:rPr lang="de-DE" smtClean="0"/>
+              <a:rPr lang="de-DE"/>
               <a:t>Textmasterformat bearbeiten</a:t>
             </a:r>
           </a:p>
           <a:p>
             <a:pPr lvl="1"/>
             <a:r>
-              <a:rPr lang="de-DE" smtClean="0"/>
+              <a:rPr lang="de-DE"/>
               <a:t>Zweite Ebene</a:t>
             </a:r>
           </a:p>
           <a:p>
             <a:pPr lvl="2"/>
             <a:r>
-              <a:rPr lang="de-DE" smtClean="0"/>
+              <a:rPr lang="de-DE"/>
               <a:t>Dritte Ebene</a:t>
             </a:r>
           </a:p>
           <a:p>
             <a:pPr lvl="3"/>
             <a:r>
-              <a:rPr lang="de-DE" smtClean="0"/>
+              <a:rPr lang="de-DE"/>
               <a:t>Vierte Ebene</a:t>
             </a:r>
           </a:p>
           <a:p>
             <a:pPr lvl="4"/>
             <a:r>
-              <a:rPr lang="de-DE" smtClean="0"/>
+              <a:rPr lang="de-DE"/>
               <a:t>Fünfte Ebene</a:t>
             </a:r>
             <a:endParaRPr lang="en-US"/>
@@ -1540,7 +1541,7 @@
           <a:p>
             <a:pPr lvl="0"/>
             <a:r>
-              <a:rPr lang="de-DE" smtClean="0"/>
+              <a:rPr lang="de-DE"/>
               <a:t>Textmasterformat bearbeiten</a:t>
             </a:r>
           </a:p>
@@ -1568,35 +1569,35 @@
           <a:p>
             <a:pPr lvl="0"/>
             <a:r>
-              <a:rPr lang="de-DE" smtClean="0"/>
+              <a:rPr lang="de-DE"/>
               <a:t>Textmasterformat bearbeiten</a:t>
             </a:r>
           </a:p>
           <a:p>
             <a:pPr lvl="1"/>
             <a:r>
-              <a:rPr lang="de-DE" smtClean="0"/>
+              <a:rPr lang="de-DE"/>
               <a:t>Zweite Ebene</a:t>
             </a:r>
           </a:p>
           <a:p>
             <a:pPr lvl="2"/>
             <a:r>
-              <a:rPr lang="de-DE" smtClean="0"/>
+              <a:rPr lang="de-DE"/>
               <a:t>Dritte Ebene</a:t>
             </a:r>
           </a:p>
           <a:p>
             <a:pPr lvl="3"/>
             <a:r>
-              <a:rPr lang="de-DE" smtClean="0"/>
+              <a:rPr lang="de-DE"/>
               <a:t>Vierte Ebene</a:t>
             </a:r>
           </a:p>
           <a:p>
             <a:pPr lvl="4"/>
             <a:r>
-              <a:rPr lang="de-DE" smtClean="0"/>
+              <a:rPr lang="de-DE"/>
               <a:t>Fünfte Ebene</a:t>
             </a:r>
             <a:endParaRPr lang="en-US"/>
@@ -1620,7 +1621,7 @@
           <a:p>
             <a:fld id="{255773D3-74C1-4A48-BCF5-4DD3F045BF55}" type="datetimeFigureOut">
               <a:rPr lang="en-US" smtClean="0"/>
-              <a:t>10/18/2016</a:t>
+              <a:t>11/27/2016</a:t>
             </a:fld>
             <a:endParaRPr lang="en-US"/>
           </a:p>
@@ -1714,7 +1715,7 @@
           <a:lstStyle/>
           <a:p>
             <a:r>
-              <a:rPr lang="de-DE" smtClean="0"/>
+              <a:rPr lang="de-DE"/>
               <a:t>Titelmasterformat durch Klicken bearbeiten</a:t>
             </a:r>
             <a:endParaRPr lang="en-US"/>
@@ -1738,7 +1739,7 @@
           <a:p>
             <a:fld id="{255773D3-74C1-4A48-BCF5-4DD3F045BF55}" type="datetimeFigureOut">
               <a:rPr lang="en-US" smtClean="0"/>
-              <a:t>10/18/2016</a:t>
+              <a:t>11/27/2016</a:t>
             </a:fld>
             <a:endParaRPr lang="en-US"/>
           </a:p>
@@ -1833,7 +1834,7 @@
           <a:p>
             <a:fld id="{255773D3-74C1-4A48-BCF5-4DD3F045BF55}" type="datetimeFigureOut">
               <a:rPr lang="en-US" smtClean="0"/>
-              <a:t>10/18/2016</a:t>
+              <a:t>11/27/2016</a:t>
             </a:fld>
             <a:endParaRPr lang="en-US"/>
           </a:p>
@@ -1936,7 +1937,7 @@
           </a:lstStyle>
           <a:p>
             <a:r>
-              <a:rPr lang="de-DE" smtClean="0"/>
+              <a:rPr lang="de-DE"/>
               <a:t>Titelmasterformat durch Klicken bearbeiten</a:t>
             </a:r>
             <a:endParaRPr lang="en-US"/>
@@ -1993,35 +1994,35 @@
           <a:p>
             <a:pPr lvl="0"/>
             <a:r>
-              <a:rPr lang="de-DE" smtClean="0"/>
+              <a:rPr lang="de-DE"/>
               <a:t>Textmasterformat bearbeiten</a:t>
             </a:r>
           </a:p>
           <a:p>
             <a:pPr lvl="1"/>
             <a:r>
-              <a:rPr lang="de-DE" smtClean="0"/>
+              <a:rPr lang="de-DE"/>
               <a:t>Zweite Ebene</a:t>
             </a:r>
           </a:p>
           <a:p>
             <a:pPr lvl="2"/>
             <a:r>
-              <a:rPr lang="de-DE" smtClean="0"/>
+              <a:rPr lang="de-DE"/>
               <a:t>Dritte Ebene</a:t>
             </a:r>
           </a:p>
           <a:p>
             <a:pPr lvl="3"/>
             <a:r>
-              <a:rPr lang="de-DE" smtClean="0"/>
+              <a:rPr lang="de-DE"/>
               <a:t>Vierte Ebene</a:t>
             </a:r>
           </a:p>
           <a:p>
             <a:pPr lvl="4"/>
             <a:r>
-              <a:rPr lang="de-DE" smtClean="0"/>
+              <a:rPr lang="de-DE"/>
               <a:t>Fünfte Ebene</a:t>
             </a:r>
             <a:endParaRPr lang="en-US"/>
@@ -2087,7 +2088,7 @@
           <a:p>
             <a:pPr lvl="0"/>
             <a:r>
-              <a:rPr lang="de-DE" smtClean="0"/>
+              <a:rPr lang="de-DE"/>
               <a:t>Textmasterformat bearbeiten</a:t>
             </a:r>
           </a:p>
@@ -2110,7 +2111,7 @@
           <a:p>
             <a:fld id="{255773D3-74C1-4A48-BCF5-4DD3F045BF55}" type="datetimeFigureOut">
               <a:rPr lang="en-US" smtClean="0"/>
-              <a:t>10/18/2016</a:t>
+              <a:t>11/27/2016</a:t>
             </a:fld>
             <a:endParaRPr lang="en-US"/>
           </a:p>
@@ -2213,7 +2214,7 @@
           </a:lstStyle>
           <a:p>
             <a:r>
-              <a:rPr lang="de-DE" smtClean="0"/>
+              <a:rPr lang="de-DE"/>
               <a:t>Titelmasterformat durch Klicken bearbeiten</a:t>
             </a:r>
             <a:endParaRPr lang="en-US"/>
@@ -2340,7 +2341,7 @@
           <a:p>
             <a:pPr lvl="0"/>
             <a:r>
-              <a:rPr lang="de-DE" smtClean="0"/>
+              <a:rPr lang="de-DE"/>
               <a:t>Textmasterformat bearbeiten</a:t>
             </a:r>
           </a:p>
@@ -2363,7 +2364,7 @@
           <a:p>
             <a:fld id="{255773D3-74C1-4A48-BCF5-4DD3F045BF55}" type="datetimeFigureOut">
               <a:rPr lang="en-US" smtClean="0"/>
-              <a:t>10/18/2016</a:t>
+              <a:t>11/27/2016</a:t>
             </a:fld>
             <a:endParaRPr lang="en-US"/>
           </a:p>
@@ -2472,7 +2473,7 @@
           <a:lstStyle/>
           <a:p>
             <a:r>
-              <a:rPr lang="de-DE" smtClean="0"/>
+              <a:rPr lang="de-DE"/>
               <a:t>Titelmasterformat durch Klicken bearbeiten</a:t>
             </a:r>
             <a:endParaRPr lang="en-US"/>
@@ -2506,35 +2507,35 @@
           <a:p>
             <a:pPr lvl="0"/>
             <a:r>
-              <a:rPr lang="de-DE" smtClean="0"/>
+              <a:rPr lang="de-DE"/>
               <a:t>Textmasterformat bearbeiten</a:t>
             </a:r>
           </a:p>
           <a:p>
             <a:pPr lvl="1"/>
             <a:r>
-              <a:rPr lang="de-DE" smtClean="0"/>
+              <a:rPr lang="de-DE"/>
               <a:t>Zweite Ebene</a:t>
             </a:r>
           </a:p>
           <a:p>
             <a:pPr lvl="2"/>
             <a:r>
-              <a:rPr lang="de-DE" smtClean="0"/>
+              <a:rPr lang="de-DE"/>
               <a:t>Dritte Ebene</a:t>
             </a:r>
           </a:p>
           <a:p>
             <a:pPr lvl="3"/>
             <a:r>
-              <a:rPr lang="de-DE" smtClean="0"/>
+              <a:rPr lang="de-DE"/>
               <a:t>Vierte Ebene</a:t>
             </a:r>
           </a:p>
           <a:p>
             <a:pPr lvl="4"/>
             <a:r>
-              <a:rPr lang="de-DE" smtClean="0"/>
+              <a:rPr lang="de-DE"/>
               <a:t>Fünfte Ebene</a:t>
             </a:r>
             <a:endParaRPr lang="en-US"/>
@@ -2576,7 +2577,7 @@
           <a:p>
             <a:fld id="{255773D3-74C1-4A48-BCF5-4DD3F045BF55}" type="datetimeFigureOut">
               <a:rPr lang="en-US" smtClean="0"/>
-              <a:t>10/18/2016</a:t>
+              <a:t>11/27/2016</a:t>
             </a:fld>
             <a:endParaRPr lang="en-US"/>
           </a:p>
@@ -3023,7 +3024,7 @@
           <a:lstStyle/>
           <a:p>
             <a:r>
-              <a:rPr lang="de-DE" dirty="0" smtClean="0">
+              <a:rPr lang="de-DE" dirty="0">
                 <a:solidFill>
                   <a:schemeClr val="tx1"/>
                 </a:solidFill>
@@ -3036,15 +3037,7 @@
                   <a:schemeClr val="tx1"/>
                 </a:solidFill>
               </a:rPr>
-              <a:t>b</a:t>
-            </a:r>
-            <a:r>
-              <a:rPr lang="de-DE" dirty="0" err="1" smtClean="0">
-                <a:solidFill>
-                  <a:schemeClr val="tx1"/>
-                </a:solidFill>
-              </a:rPr>
-              <a:t>rowser</a:t>
+              <a:t>browser</a:t>
             </a:r>
             <a:endParaRPr lang="en-US" dirty="0">
               <a:solidFill>
@@ -3110,7 +3103,7 @@
           <a:lstStyle/>
           <a:p>
             <a:r>
-              <a:rPr lang="de-DE" dirty="0" smtClean="0"/>
+              <a:rPr lang="de-DE" dirty="0"/>
               <a:t>Client</a:t>
             </a:r>
             <a:endParaRPr lang="en-US" dirty="0"/>
@@ -3157,7 +3150,7 @@
           <a:p>
             <a:pPr algn="ctr"/>
             <a:r>
-              <a:rPr lang="de-DE" dirty="0" smtClean="0">
+              <a:rPr lang="de-DE" dirty="0">
                 <a:solidFill>
                   <a:schemeClr val="tx1"/>
                 </a:solidFill>
@@ -3165,7 +3158,7 @@
               <a:t>Chrome </a:t>
             </a:r>
             <a:r>
-              <a:rPr lang="de-DE" dirty="0" err="1" smtClean="0">
+              <a:rPr lang="de-DE" dirty="0" err="1">
                 <a:solidFill>
                   <a:schemeClr val="tx1"/>
                 </a:solidFill>
@@ -3203,7 +3196,7 @@
           <a:lstStyle/>
           <a:p>
             <a:r>
-              <a:rPr lang="de-DE" dirty="0" smtClean="0"/>
+              <a:rPr lang="de-DE" dirty="0"/>
               <a:t>Backend</a:t>
             </a:r>
             <a:endParaRPr lang="en-US" dirty="0"/>
@@ -3247,7 +3240,7 @@
           <a:p>
             <a:pPr algn="ctr"/>
             <a:r>
-              <a:rPr lang="de-DE" b="1" dirty="0" smtClean="0">
+              <a:rPr lang="de-DE" b="1" dirty="0">
                 <a:solidFill>
                   <a:schemeClr val="tx1"/>
                 </a:solidFill>
@@ -3304,7 +3297,7 @@
           <a:lstStyle/>
           <a:p>
             <a:r>
-              <a:rPr lang="de-DE" dirty="0" smtClean="0">
+              <a:rPr lang="de-DE" dirty="0">
                 <a:solidFill>
                   <a:schemeClr val="tx1"/>
                 </a:solidFill>
@@ -3312,7 +3305,7 @@
               <a:t>Java </a:t>
             </a:r>
             <a:r>
-              <a:rPr lang="de-DE" dirty="0" err="1" smtClean="0">
+              <a:rPr lang="de-DE" dirty="0" err="1">
                 <a:solidFill>
                   <a:schemeClr val="tx1"/>
                 </a:solidFill>
@@ -3367,7 +3360,7 @@
           <a:p>
             <a:pPr algn="ctr"/>
             <a:r>
-              <a:rPr lang="de-DE" dirty="0" smtClean="0">
+              <a:rPr lang="de-DE" dirty="0">
                 <a:solidFill>
                   <a:schemeClr val="tx1"/>
                 </a:solidFill>
@@ -3422,7 +3415,7 @@
           <a:p>
             <a:pPr algn="ctr"/>
             <a:r>
-              <a:rPr lang="de-DE" dirty="0" smtClean="0">
+              <a:rPr lang="de-DE" dirty="0">
                 <a:solidFill>
                   <a:schemeClr val="tx1"/>
                 </a:solidFill>
@@ -3513,7 +3506,7 @@
           <a:p>
             <a:pPr algn="ctr"/>
             <a:r>
-              <a:rPr lang="de-DE" dirty="0" smtClean="0">
+              <a:rPr lang="de-DE" dirty="0">
                 <a:solidFill>
                   <a:schemeClr val="tx1"/>
                 </a:solidFill>
@@ -3574,7 +3567,7 @@
           <a:p>
             <a:pPr algn="ctr"/>
             <a:r>
-              <a:rPr lang="de-DE" dirty="0" smtClean="0">
+              <a:rPr lang="de-DE" dirty="0">
                 <a:solidFill>
                   <a:schemeClr val="tx1"/>
                 </a:solidFill>
@@ -3645,10 +3638,9 @@
           <a:lstStyle/>
           <a:p>
             <a:r>
-              <a:rPr lang="en-US" dirty="0" smtClean="0"/>
+              <a:rPr lang="en-US" dirty="0"/>
               <a:t>Sources</a:t>
             </a:r>
-            <a:endParaRPr lang="en-US" dirty="0"/>
           </a:p>
         </p:txBody>
       </p:sp>
@@ -3694,14 +3686,14 @@
           <a:lstStyle/>
           <a:p>
             <a:r>
-              <a:rPr lang="de-DE" dirty="0" err="1" smtClean="0">
+              <a:rPr lang="de-DE" dirty="0" err="1">
                 <a:solidFill>
                   <a:schemeClr val="tx1"/>
                 </a:solidFill>
               </a:rPr>
               <a:t>DBPedia</a:t>
             </a:r>
-            <a:endParaRPr lang="de-DE" dirty="0" smtClean="0">
+            <a:endParaRPr lang="de-DE" dirty="0">
               <a:solidFill>
                 <a:schemeClr val="tx1"/>
               </a:solidFill>
@@ -3756,7 +3748,7 @@
           <a:p>
             <a:pPr algn="ctr"/>
             <a:r>
-              <a:rPr lang="de-DE" dirty="0" smtClean="0">
+              <a:rPr lang="de-DE" dirty="0">
                 <a:solidFill>
                   <a:schemeClr val="tx1"/>
                 </a:solidFill>
@@ -3764,7 +3756,7 @@
               <a:t>SPARQL </a:t>
             </a:r>
             <a:r>
-              <a:rPr lang="de-DE" dirty="0" err="1" smtClean="0">
+              <a:rPr lang="de-DE" dirty="0" err="1">
                 <a:solidFill>
                   <a:schemeClr val="tx1"/>
                 </a:solidFill>
@@ -3826,7 +3818,7 @@
           <a:lstStyle/>
           <a:p>
             <a:r>
-              <a:rPr lang="de-DE" dirty="0" smtClean="0">
+              <a:rPr lang="de-DE" dirty="0">
                 <a:solidFill>
                   <a:schemeClr val="tx1">
                     <a:lumMod val="50000"/>
@@ -3895,7 +3887,7 @@
           <a:p>
             <a:pPr algn="ctr"/>
             <a:r>
-              <a:rPr lang="de-DE" dirty="0" smtClean="0">
+              <a:rPr lang="de-DE" dirty="0">
                 <a:solidFill>
                   <a:schemeClr val="tx1">
                     <a:lumMod val="50000"/>
@@ -3906,7 +3898,7 @@
               <a:t>SPARQL </a:t>
             </a:r>
             <a:r>
-              <a:rPr lang="de-DE" dirty="0" err="1" smtClean="0">
+              <a:rPr lang="de-DE" dirty="0" err="1">
                 <a:solidFill>
                   <a:schemeClr val="tx1">
                     <a:lumMod val="50000"/>
@@ -4031,7 +4023,7 @@
           <a:p>
             <a:pPr algn="r"/>
             <a:r>
-              <a:rPr lang="de-DE" sz="1400" dirty="0" smtClean="0"/>
+              <a:rPr lang="de-DE" sz="1400" dirty="0"/>
               <a:t>Text, Properties</a:t>
             </a:r>
             <a:endParaRPr lang="en-US" sz="1400" dirty="0"/>
@@ -4095,7 +4087,7 @@
           <a:lstStyle/>
           <a:p>
             <a:r>
-              <a:rPr lang="de-DE" sz="1400" dirty="0" err="1" smtClean="0"/>
+              <a:rPr lang="de-DE" sz="1400" dirty="0" err="1"/>
               <a:t>Result</a:t>
             </a:r>
             <a:endParaRPr lang="en-US" sz="1400" dirty="0"/>
@@ -4125,7 +4117,7 @@
           <a:lstStyle/>
           <a:p>
             <a:r>
-              <a:rPr lang="de-DE" sz="1400" dirty="0" smtClean="0"/>
+              <a:rPr lang="de-DE" sz="1400" dirty="0"/>
               <a:t>Text</a:t>
             </a:r>
             <a:endParaRPr lang="en-US" sz="1400" dirty="0"/>
@@ -4155,7 +4147,7 @@
           <a:lstStyle/>
           <a:p>
             <a:r>
-              <a:rPr lang="de-DE" sz="1400" dirty="0" smtClean="0"/>
+              <a:rPr lang="de-DE" sz="1400" dirty="0"/>
               <a:t>NEs</a:t>
             </a:r>
             <a:endParaRPr lang="en-US" sz="1400" dirty="0"/>
@@ -4254,7 +4246,7 @@
           <a:p>
             <a:pPr algn="r"/>
             <a:r>
-              <a:rPr lang="de-DE" sz="1400" dirty="0" smtClean="0"/>
+              <a:rPr lang="de-DE" sz="1400" dirty="0"/>
               <a:t>NEs, Properties</a:t>
             </a:r>
             <a:endParaRPr lang="en-US" sz="1400" dirty="0"/>
@@ -4284,7 +4276,7 @@
           <a:lstStyle/>
           <a:p>
             <a:r>
-              <a:rPr lang="de-DE" sz="1400" dirty="0" err="1" smtClean="0"/>
+              <a:rPr lang="de-DE" sz="1400" dirty="0" err="1"/>
               <a:t>Result</a:t>
             </a:r>
             <a:endParaRPr lang="en-US" sz="1400" dirty="0"/>
@@ -4314,7 +4306,7 @@
           <a:lstStyle/>
           <a:p>
             <a:r>
-              <a:rPr lang="de-DE" sz="4800" dirty="0" smtClean="0">
+              <a:rPr lang="de-DE" sz="4800" dirty="0">
                 <a:solidFill>
                   <a:schemeClr val="tx1">
                     <a:lumMod val="50000"/>
@@ -4359,7 +4351,7 @@
           <a:p>
             <a:pPr algn="r"/>
             <a:r>
-              <a:rPr lang="de-DE" sz="1400" dirty="0" smtClean="0"/>
+              <a:rPr lang="de-DE" sz="1400" dirty="0"/>
               <a:t>Model UNION</a:t>
             </a:r>
             <a:endParaRPr lang="en-US" sz="1400" dirty="0"/>
@@ -4450,7 +4442,7 @@
           <a:p>
             <a:pPr algn="ctr"/>
             <a:r>
-              <a:rPr lang="de-DE" sz="1400" i="1" smtClean="0">
+              <a:rPr lang="de-DE" sz="1400" i="1">
                 <a:solidFill>
                   <a:schemeClr val="tx1"/>
                 </a:solidFill>
@@ -4458,7 +4450,7 @@
               <a:t>SameAs </a:t>
             </a:r>
             <a:r>
-              <a:rPr lang="de-DE" sz="1400" smtClean="0">
+              <a:rPr lang="de-DE" sz="1400">
                 <a:solidFill>
                   <a:schemeClr val="tx1"/>
                 </a:solidFill>
@@ -4517,6 +4509,2585 @@
     <p:extLst>
       <p:ext uri="{BB962C8B-B14F-4D97-AF65-F5344CB8AC3E}">
         <p14:creationId xmlns:p14="http://schemas.microsoft.com/office/powerpoint/2010/main" val="861682044"/>
+      </p:ext>
+    </p:extLst>
+  </p:cSld>
+  <p:clrMapOvr>
+    <a:masterClrMapping/>
+  </p:clrMapOvr>
+</p:sld>
+</file>
+
+<file path=ppt/slides/slide2.xml><?xml version="1.0" encoding="utf-8"?>
+<p:sld xmlns:a="http://schemas.openxmlformats.org/drawingml/2006/main" xmlns:r="http://schemas.openxmlformats.org/officeDocument/2006/relationships" xmlns:p="http://schemas.openxmlformats.org/presentationml/2006/main">
+  <p:cSld>
+    <p:spTree>
+      <p:nvGrpSpPr>
+        <p:cNvPr id="1" name=""/>
+        <p:cNvGrpSpPr/>
+        <p:nvPr/>
+      </p:nvGrpSpPr>
+      <p:grpSpPr>
+        <a:xfrm>
+          <a:off x="0" y="0"/>
+          <a:ext cx="0" cy="0"/>
+          <a:chOff x="0" y="0"/>
+          <a:chExt cx="0" cy="0"/>
+        </a:xfrm>
+      </p:grpSpPr>
+      <p:sp>
+        <p:nvSpPr>
+          <p:cNvPr id="210" name="Textfeld 209"/>
+          <p:cNvSpPr txBox="1"/>
+          <p:nvPr/>
+        </p:nvSpPr>
+        <p:spPr>
+          <a:xfrm>
+            <a:off x="9671522" y="5845204"/>
+            <a:ext cx="1490834" cy="523220"/>
+          </a:xfrm>
+          <a:prstGeom prst="rect">
+            <a:avLst/>
+          </a:prstGeom>
+          <a:noFill/>
+        </p:spPr>
+        <p:txBody>
+          <a:bodyPr wrap="square" rtlCol="0">
+            <a:spAutoFit/>
+          </a:bodyPr>
+          <a:lstStyle/>
+          <a:p>
+            <a:r>
+              <a:rPr lang="de-DE" sz="1400" dirty="0"/>
+              <a:t>Source </a:t>
+            </a:r>
+            <a:r>
+              <a:rPr lang="de-DE" sz="1400" dirty="0" err="1"/>
+              <a:t>specific</a:t>
+            </a:r>
+            <a:r>
+              <a:rPr lang="de-DE" sz="1400" dirty="0"/>
+              <a:t> </a:t>
+            </a:r>
+            <a:r>
+              <a:rPr lang="de-DE" sz="1400" dirty="0" err="1"/>
+              <a:t>Context</a:t>
+            </a:r>
+            <a:r>
+              <a:rPr lang="de-DE" sz="1400" dirty="0"/>
+              <a:t> Model</a:t>
+            </a:r>
+            <a:endParaRPr lang="en-US" sz="1400" dirty="0"/>
+          </a:p>
+        </p:txBody>
+      </p:sp>
+      <p:sp>
+        <p:nvSpPr>
+          <p:cNvPr id="55" name="Textfeld 54"/>
+          <p:cNvSpPr txBox="1"/>
+          <p:nvPr/>
+        </p:nvSpPr>
+        <p:spPr>
+          <a:xfrm>
+            <a:off x="2257706" y="16285"/>
+            <a:ext cx="1490834" cy="738664"/>
+          </a:xfrm>
+          <a:prstGeom prst="rect">
+            <a:avLst/>
+          </a:prstGeom>
+          <a:noFill/>
+        </p:spPr>
+        <p:txBody>
+          <a:bodyPr wrap="square" rtlCol="0">
+            <a:spAutoFit/>
+          </a:bodyPr>
+          <a:lstStyle/>
+          <a:p>
+            <a:r>
+              <a:rPr lang="de-DE" sz="1400" dirty="0" err="1"/>
+              <a:t>Entities</a:t>
+            </a:r>
+            <a:r>
+              <a:rPr lang="de-DE" sz="1400" dirty="0"/>
+              <a:t>,</a:t>
+            </a:r>
+          </a:p>
+          <a:p>
+            <a:r>
+              <a:rPr lang="de-DE" sz="1400" dirty="0"/>
+              <a:t>Query Properties, </a:t>
+            </a:r>
+            <a:r>
+              <a:rPr lang="de-DE" sz="1400" dirty="0" err="1"/>
+              <a:t>Sources</a:t>
+            </a:r>
+            <a:endParaRPr lang="en-US" sz="1400" dirty="0"/>
+          </a:p>
+        </p:txBody>
+      </p:sp>
+      <p:sp>
+        <p:nvSpPr>
+          <p:cNvPr id="11" name="Abgerundetes Rechteck 10"/>
+          <p:cNvSpPr/>
+          <p:nvPr/>
+        </p:nvSpPr>
+        <p:spPr>
+          <a:xfrm>
+            <a:off x="1257931" y="966002"/>
+            <a:ext cx="6183567" cy="4777507"/>
+          </a:xfrm>
+          <a:prstGeom prst="roundRect">
+            <a:avLst/>
+          </a:prstGeom>
+          <a:solidFill>
+            <a:schemeClr val="accent3">
+              <a:lumMod val="20000"/>
+              <a:lumOff val="80000"/>
+            </a:schemeClr>
+          </a:solidFill>
+        </p:spPr>
+        <p:style>
+          <a:lnRef idx="2">
+            <a:schemeClr val="accent1">
+              <a:shade val="50000"/>
+            </a:schemeClr>
+          </a:lnRef>
+          <a:fillRef idx="1">
+            <a:schemeClr val="accent1"/>
+          </a:fillRef>
+          <a:effectRef idx="0">
+            <a:schemeClr val="accent1"/>
+          </a:effectRef>
+          <a:fontRef idx="minor">
+            <a:schemeClr val="lt1"/>
+          </a:fontRef>
+        </p:style>
+        <p:txBody>
+          <a:bodyPr rtlCol="0" anchor="t"/>
+          <a:lstStyle/>
+          <a:p>
+            <a:pPr algn="ctr"/>
+            <a:r>
+              <a:rPr lang="de-DE" sz="2400" b="1" dirty="0" err="1">
+                <a:solidFill>
+                  <a:schemeClr val="tx1"/>
+                </a:solidFill>
+              </a:rPr>
+              <a:t>JenaEngine</a:t>
+            </a:r>
+            <a:endParaRPr lang="en-US" sz="2400" b="1" dirty="0">
+              <a:solidFill>
+                <a:schemeClr val="tx1"/>
+              </a:solidFill>
+            </a:endParaRPr>
+          </a:p>
+        </p:txBody>
+      </p:sp>
+      <p:sp>
+        <p:nvSpPr>
+          <p:cNvPr id="19" name="Flussdiagramm: Magnetplattenspeicher 18"/>
+          <p:cNvSpPr/>
+          <p:nvPr/>
+        </p:nvSpPr>
+        <p:spPr>
+          <a:xfrm>
+            <a:off x="1896955" y="3441719"/>
+            <a:ext cx="1100593" cy="613800"/>
+          </a:xfrm>
+          <a:prstGeom prst="flowChartMagneticDisk">
+            <a:avLst/>
+          </a:prstGeom>
+          <a:solidFill>
+            <a:schemeClr val="accent1">
+              <a:lumMod val="60000"/>
+              <a:lumOff val="40000"/>
+            </a:schemeClr>
+          </a:solidFill>
+          <a:ln>
+            <a:noFill/>
+          </a:ln>
+        </p:spPr>
+        <p:style>
+          <a:lnRef idx="2">
+            <a:schemeClr val="accent1">
+              <a:shade val="50000"/>
+            </a:schemeClr>
+          </a:lnRef>
+          <a:fillRef idx="1">
+            <a:schemeClr val="accent1"/>
+          </a:fillRef>
+          <a:effectRef idx="0">
+            <a:schemeClr val="accent1"/>
+          </a:effectRef>
+          <a:fontRef idx="minor">
+            <a:schemeClr val="lt1"/>
+          </a:fontRef>
+        </p:style>
+        <p:txBody>
+          <a:bodyPr rtlCol="0" anchor="ctr"/>
+          <a:lstStyle/>
+          <a:p>
+            <a:pPr algn="ctr"/>
+            <a:r>
+              <a:rPr lang="de-DE" dirty="0" err="1">
+                <a:solidFill>
+                  <a:schemeClr val="tx1"/>
+                </a:solidFill>
+              </a:rPr>
+              <a:t>OntologyModel</a:t>
+            </a:r>
+            <a:endParaRPr lang="en-US" dirty="0">
+              <a:solidFill>
+                <a:schemeClr val="tx1"/>
+              </a:solidFill>
+            </a:endParaRPr>
+          </a:p>
+        </p:txBody>
+      </p:sp>
+      <p:sp>
+        <p:nvSpPr>
+          <p:cNvPr id="62" name="Textfeld 61"/>
+          <p:cNvSpPr txBox="1"/>
+          <p:nvPr/>
+        </p:nvSpPr>
+        <p:spPr>
+          <a:xfrm>
+            <a:off x="2920418" y="1955774"/>
+            <a:ext cx="609462" cy="830997"/>
+          </a:xfrm>
+          <a:prstGeom prst="rect">
+            <a:avLst/>
+          </a:prstGeom>
+          <a:noFill/>
+        </p:spPr>
+        <p:txBody>
+          <a:bodyPr wrap="none" rtlCol="0">
+            <a:spAutoFit/>
+          </a:bodyPr>
+          <a:lstStyle/>
+          <a:p>
+            <a:r>
+              <a:rPr lang="de-DE" sz="4800" dirty="0">
+                <a:solidFill>
+                  <a:schemeClr val="tx1">
+                    <a:lumMod val="50000"/>
+                    <a:lumOff val="50000"/>
+                  </a:schemeClr>
+                </a:solidFill>
+              </a:rPr>
+              <a:t>…</a:t>
+            </a:r>
+            <a:endParaRPr lang="en-US" sz="4800" dirty="0">
+              <a:solidFill>
+                <a:schemeClr val="tx1">
+                  <a:lumMod val="50000"/>
+                  <a:lumOff val="50000"/>
+                </a:schemeClr>
+              </a:solidFill>
+            </a:endParaRPr>
+          </a:p>
+        </p:txBody>
+      </p:sp>
+      <p:sp>
+        <p:nvSpPr>
+          <p:cNvPr id="76" name="Eine Ecke des Rechtecks schneiden 75"/>
+          <p:cNvSpPr/>
+          <p:nvPr/>
+        </p:nvSpPr>
+        <p:spPr>
+          <a:xfrm>
+            <a:off x="150639" y="3520432"/>
+            <a:ext cx="951829" cy="452462"/>
+          </a:xfrm>
+          <a:prstGeom prst="snip1Rect">
+            <a:avLst/>
+          </a:prstGeom>
+          <a:solidFill>
+            <a:schemeClr val="accent1">
+              <a:lumMod val="60000"/>
+              <a:lumOff val="40000"/>
+            </a:schemeClr>
+          </a:solidFill>
+          <a:ln>
+            <a:noFill/>
+          </a:ln>
+        </p:spPr>
+        <p:style>
+          <a:lnRef idx="2">
+            <a:schemeClr val="accent1">
+              <a:shade val="50000"/>
+            </a:schemeClr>
+          </a:lnRef>
+          <a:fillRef idx="1">
+            <a:schemeClr val="accent1"/>
+          </a:fillRef>
+          <a:effectRef idx="0">
+            <a:schemeClr val="accent1"/>
+          </a:effectRef>
+          <a:fontRef idx="minor">
+            <a:schemeClr val="lt1"/>
+          </a:fontRef>
+        </p:style>
+        <p:txBody>
+          <a:bodyPr rtlCol="0" anchor="ctr"/>
+          <a:lstStyle/>
+          <a:p>
+            <a:pPr algn="ctr"/>
+            <a:r>
+              <a:rPr lang="de-DE" sz="1400" i="1" dirty="0" err="1">
+                <a:solidFill>
+                  <a:schemeClr val="tx1"/>
+                </a:solidFill>
+              </a:rPr>
+              <a:t>Own</a:t>
+            </a:r>
+            <a:r>
+              <a:rPr lang="de-DE" sz="1400" i="1" dirty="0">
+                <a:solidFill>
+                  <a:schemeClr val="tx1"/>
+                </a:solidFill>
+              </a:rPr>
+              <a:t> </a:t>
+            </a:r>
+            <a:r>
+              <a:rPr lang="de-DE" sz="1400" i="1" dirty="0" err="1">
+                <a:solidFill>
+                  <a:schemeClr val="tx1"/>
+                </a:solidFill>
+              </a:rPr>
+              <a:t>Ontology</a:t>
+            </a:r>
+            <a:r>
+              <a:rPr lang="de-DE" sz="1400" i="1" dirty="0">
+                <a:solidFill>
+                  <a:schemeClr val="tx1"/>
+                </a:solidFill>
+              </a:rPr>
+              <a:t> </a:t>
+            </a:r>
+            <a:endParaRPr lang="en-US" sz="1400" dirty="0">
+              <a:solidFill>
+                <a:schemeClr val="tx1"/>
+              </a:solidFill>
+            </a:endParaRPr>
+          </a:p>
+        </p:txBody>
+      </p:sp>
+      <p:cxnSp>
+        <p:nvCxnSpPr>
+          <p:cNvPr id="42" name="Gerade Verbindung mit Pfeil 41"/>
+          <p:cNvCxnSpPr>
+            <a:cxnSpLocks/>
+            <a:stCxn id="76" idx="0"/>
+            <a:endCxn id="19" idx="2"/>
+          </p:cNvCxnSpPr>
+          <p:nvPr/>
+        </p:nvCxnSpPr>
+        <p:spPr>
+          <a:xfrm>
+            <a:off x="1102468" y="3746663"/>
+            <a:ext cx="794487" cy="1956"/>
+          </a:xfrm>
+          <a:prstGeom prst="straightConnector1">
+            <a:avLst/>
+          </a:prstGeom>
+          <a:ln>
+            <a:headEnd type="none" w="med" len="med"/>
+            <a:tailEnd type="triangle" w="med" len="med"/>
+          </a:ln>
+        </p:spPr>
+        <p:style>
+          <a:lnRef idx="3">
+            <a:schemeClr val="dk1"/>
+          </a:lnRef>
+          <a:fillRef idx="0">
+            <a:schemeClr val="dk1"/>
+          </a:fillRef>
+          <a:effectRef idx="2">
+            <a:schemeClr val="dk1"/>
+          </a:effectRef>
+          <a:fontRef idx="minor">
+            <a:schemeClr val="tx1"/>
+          </a:fontRef>
+        </p:style>
+      </p:cxnSp>
+      <p:sp>
+        <p:nvSpPr>
+          <p:cNvPr id="52" name="Rechteck 51"/>
+          <p:cNvSpPr/>
+          <p:nvPr/>
+        </p:nvSpPr>
+        <p:spPr>
+          <a:xfrm>
+            <a:off x="1448043" y="754949"/>
+            <a:ext cx="1619327" cy="483807"/>
+          </a:xfrm>
+          <a:prstGeom prst="rect">
+            <a:avLst/>
+          </a:prstGeom>
+          <a:solidFill>
+            <a:schemeClr val="tx2">
+              <a:lumMod val="60000"/>
+              <a:lumOff val="40000"/>
+            </a:schemeClr>
+          </a:solidFill>
+          <a:ln>
+            <a:noFill/>
+          </a:ln>
+        </p:spPr>
+        <p:style>
+          <a:lnRef idx="2">
+            <a:schemeClr val="accent1">
+              <a:shade val="50000"/>
+            </a:schemeClr>
+          </a:lnRef>
+          <a:fillRef idx="1">
+            <a:schemeClr val="accent1"/>
+          </a:fillRef>
+          <a:effectRef idx="0">
+            <a:schemeClr val="accent1"/>
+          </a:effectRef>
+          <a:fontRef idx="minor">
+            <a:schemeClr val="lt1"/>
+          </a:fontRef>
+        </p:style>
+        <p:txBody>
+          <a:bodyPr rtlCol="0" anchor="ctr"/>
+          <a:lstStyle/>
+          <a:p>
+            <a:pPr algn="ctr"/>
+            <a:r>
+              <a:rPr lang="de-DE" dirty="0" err="1">
+                <a:solidFill>
+                  <a:schemeClr val="tx1"/>
+                </a:solidFill>
+              </a:rPr>
+              <a:t>querySources</a:t>
+            </a:r>
+            <a:endParaRPr lang="en-US" dirty="0">
+              <a:solidFill>
+                <a:schemeClr val="tx1"/>
+              </a:solidFill>
+            </a:endParaRPr>
+          </a:p>
+        </p:txBody>
+      </p:sp>
+      <p:cxnSp>
+        <p:nvCxnSpPr>
+          <p:cNvPr id="53" name="Gerade Verbindung mit Pfeil 52"/>
+          <p:cNvCxnSpPr>
+            <a:cxnSpLocks/>
+            <a:endCxn id="52" idx="0"/>
+          </p:cNvCxnSpPr>
+          <p:nvPr/>
+        </p:nvCxnSpPr>
+        <p:spPr>
+          <a:xfrm>
+            <a:off x="2257706" y="227338"/>
+            <a:ext cx="1" cy="527611"/>
+          </a:xfrm>
+          <a:prstGeom prst="straightConnector1">
+            <a:avLst/>
+          </a:prstGeom>
+          <a:ln>
+            <a:headEnd type="none" w="med" len="med"/>
+            <a:tailEnd type="triangle" w="med" len="med"/>
+          </a:ln>
+        </p:spPr>
+        <p:style>
+          <a:lnRef idx="3">
+            <a:schemeClr val="dk1"/>
+          </a:lnRef>
+          <a:fillRef idx="0">
+            <a:schemeClr val="dk1"/>
+          </a:fillRef>
+          <a:effectRef idx="2">
+            <a:schemeClr val="dk1"/>
+          </a:effectRef>
+          <a:fontRef idx="minor">
+            <a:schemeClr val="tx1"/>
+          </a:fontRef>
+        </p:style>
+      </p:cxnSp>
+      <p:cxnSp>
+        <p:nvCxnSpPr>
+          <p:cNvPr id="57" name="Gewinkelte Verbindung 14"/>
+          <p:cNvCxnSpPr>
+            <a:cxnSpLocks/>
+            <a:stCxn id="52" idx="2"/>
+          </p:cNvCxnSpPr>
+          <p:nvPr/>
+        </p:nvCxnSpPr>
+        <p:spPr>
+          <a:xfrm rot="16200000" flipH="1">
+            <a:off x="2221266" y="1275197"/>
+            <a:ext cx="849482" cy="776600"/>
+          </a:xfrm>
+          <a:prstGeom prst="bentConnector2">
+            <a:avLst/>
+          </a:prstGeom>
+          <a:ln>
+            <a:headEnd type="none" w="med" len="med"/>
+            <a:tailEnd type="triangle" w="med" len="med"/>
+          </a:ln>
+        </p:spPr>
+        <p:style>
+          <a:lnRef idx="3">
+            <a:schemeClr val="dk1"/>
+          </a:lnRef>
+          <a:fillRef idx="0">
+            <a:schemeClr val="dk1"/>
+          </a:fillRef>
+          <a:effectRef idx="2">
+            <a:schemeClr val="dk1"/>
+          </a:effectRef>
+          <a:fontRef idx="minor">
+            <a:schemeClr val="tx1"/>
+          </a:fontRef>
+        </p:style>
+      </p:cxnSp>
+      <p:sp>
+        <p:nvSpPr>
+          <p:cNvPr id="18" name="Rechteck: abgerundete Ecken 17"/>
+          <p:cNvSpPr/>
+          <p:nvPr/>
+        </p:nvSpPr>
+        <p:spPr>
+          <a:xfrm>
+            <a:off x="3034307" y="1846334"/>
+            <a:ext cx="2032779" cy="483807"/>
+          </a:xfrm>
+          <a:prstGeom prst="roundRect">
+            <a:avLst/>
+          </a:prstGeom>
+          <a:solidFill>
+            <a:schemeClr val="accent1"/>
+          </a:solidFill>
+        </p:spPr>
+        <p:style>
+          <a:lnRef idx="2">
+            <a:schemeClr val="accent1">
+              <a:shade val="50000"/>
+            </a:schemeClr>
+          </a:lnRef>
+          <a:fillRef idx="1">
+            <a:schemeClr val="accent1"/>
+          </a:fillRef>
+          <a:effectRef idx="0">
+            <a:schemeClr val="accent1"/>
+          </a:effectRef>
+          <a:fontRef idx="minor">
+            <a:schemeClr val="lt1"/>
+          </a:fontRef>
+        </p:style>
+        <p:txBody>
+          <a:bodyPr rtlCol="0" anchor="ctr"/>
+          <a:lstStyle/>
+          <a:p>
+            <a:pPr algn="ctr"/>
+            <a:r>
+              <a:rPr lang="de-DE" dirty="0" err="1">
+                <a:solidFill>
+                  <a:schemeClr val="tx1"/>
+                </a:solidFill>
+              </a:rPr>
+              <a:t>QuerySource</a:t>
+            </a:r>
+            <a:r>
+              <a:rPr lang="de-DE" dirty="0">
+                <a:solidFill>
+                  <a:schemeClr val="tx1"/>
+                </a:solidFill>
+              </a:rPr>
+              <a:t>(1)</a:t>
+            </a:r>
+            <a:endParaRPr lang="en-US" dirty="0">
+              <a:solidFill>
+                <a:schemeClr val="tx1"/>
+              </a:solidFill>
+            </a:endParaRPr>
+          </a:p>
+        </p:txBody>
+      </p:sp>
+      <p:cxnSp>
+        <p:nvCxnSpPr>
+          <p:cNvPr id="63" name="Gewinkelte Verbindung 14"/>
+          <p:cNvCxnSpPr>
+            <a:cxnSpLocks/>
+            <a:stCxn id="52" idx="2"/>
+            <a:endCxn id="214" idx="1"/>
+          </p:cNvCxnSpPr>
+          <p:nvPr/>
+        </p:nvCxnSpPr>
+        <p:spPr>
+          <a:xfrm rot="16200000" flipH="1">
+            <a:off x="1793226" y="1703237"/>
+            <a:ext cx="1705563" cy="776600"/>
+          </a:xfrm>
+          <a:prstGeom prst="bentConnector2">
+            <a:avLst/>
+          </a:prstGeom>
+          <a:ln>
+            <a:prstDash val="dash"/>
+            <a:headEnd type="none" w="med" len="med"/>
+            <a:tailEnd type="triangle" w="med" len="med"/>
+          </a:ln>
+        </p:spPr>
+        <p:style>
+          <a:lnRef idx="3">
+            <a:schemeClr val="dk1"/>
+          </a:lnRef>
+          <a:fillRef idx="0">
+            <a:schemeClr val="dk1"/>
+          </a:fillRef>
+          <a:effectRef idx="2">
+            <a:schemeClr val="dk1"/>
+          </a:effectRef>
+          <a:fontRef idx="minor">
+            <a:schemeClr val="tx1"/>
+          </a:fontRef>
+        </p:style>
+      </p:cxnSp>
+      <p:cxnSp>
+        <p:nvCxnSpPr>
+          <p:cNvPr id="65" name="Gewinkelte Verbindung 14"/>
+          <p:cNvCxnSpPr>
+            <a:cxnSpLocks/>
+            <a:endCxn id="68" idx="1"/>
+          </p:cNvCxnSpPr>
+          <p:nvPr/>
+        </p:nvCxnSpPr>
+        <p:spPr>
+          <a:xfrm>
+            <a:off x="5067086" y="2088238"/>
+            <a:ext cx="1414914" cy="1353481"/>
+          </a:xfrm>
+          <a:prstGeom prst="bentConnector2">
+            <a:avLst/>
+          </a:prstGeom>
+          <a:ln>
+            <a:headEnd type="none" w="med" len="med"/>
+            <a:tailEnd type="triangle" w="med" len="med"/>
+          </a:ln>
+        </p:spPr>
+        <p:style>
+          <a:lnRef idx="3">
+            <a:schemeClr val="dk1"/>
+          </a:lnRef>
+          <a:fillRef idx="0">
+            <a:schemeClr val="dk1"/>
+          </a:fillRef>
+          <a:effectRef idx="2">
+            <a:schemeClr val="dk1"/>
+          </a:effectRef>
+          <a:fontRef idx="minor">
+            <a:schemeClr val="tx1"/>
+          </a:fontRef>
+        </p:style>
+      </p:cxnSp>
+      <p:sp>
+        <p:nvSpPr>
+          <p:cNvPr id="68" name="Flussdiagramm: Magnetplattenspeicher 67"/>
+          <p:cNvSpPr/>
+          <p:nvPr/>
+        </p:nvSpPr>
+        <p:spPr>
+          <a:xfrm>
+            <a:off x="5931703" y="3441719"/>
+            <a:ext cx="1100593" cy="609888"/>
+          </a:xfrm>
+          <a:prstGeom prst="flowChartMagneticDisk">
+            <a:avLst/>
+          </a:prstGeom>
+          <a:solidFill>
+            <a:schemeClr val="accent1">
+              <a:lumMod val="60000"/>
+              <a:lumOff val="40000"/>
+            </a:schemeClr>
+          </a:solidFill>
+          <a:ln>
+            <a:noFill/>
+          </a:ln>
+        </p:spPr>
+        <p:style>
+          <a:lnRef idx="2">
+            <a:schemeClr val="accent1">
+              <a:shade val="50000"/>
+            </a:schemeClr>
+          </a:lnRef>
+          <a:fillRef idx="1">
+            <a:schemeClr val="accent1"/>
+          </a:fillRef>
+          <a:effectRef idx="0">
+            <a:schemeClr val="accent1"/>
+          </a:effectRef>
+          <a:fontRef idx="minor">
+            <a:schemeClr val="lt1"/>
+          </a:fontRef>
+        </p:style>
+        <p:txBody>
+          <a:bodyPr rtlCol="0" anchor="ctr"/>
+          <a:lstStyle/>
+          <a:p>
+            <a:pPr algn="ctr"/>
+            <a:r>
+              <a:rPr lang="de-DE" dirty="0">
+                <a:solidFill>
+                  <a:schemeClr val="tx1"/>
+                </a:solidFill>
+              </a:rPr>
+              <a:t>Source Models</a:t>
+            </a:r>
+            <a:endParaRPr lang="en-US" dirty="0">
+              <a:solidFill>
+                <a:schemeClr val="tx1"/>
+              </a:solidFill>
+            </a:endParaRPr>
+          </a:p>
+        </p:txBody>
+      </p:sp>
+      <p:cxnSp>
+        <p:nvCxnSpPr>
+          <p:cNvPr id="71" name="Gewinkelte Verbindung 14"/>
+          <p:cNvCxnSpPr>
+            <a:cxnSpLocks/>
+            <a:stCxn id="214" idx="3"/>
+            <a:endCxn id="68" idx="1"/>
+          </p:cNvCxnSpPr>
+          <p:nvPr/>
+        </p:nvCxnSpPr>
+        <p:spPr>
+          <a:xfrm>
+            <a:off x="5067086" y="2944319"/>
+            <a:ext cx="1414914" cy="497400"/>
+          </a:xfrm>
+          <a:prstGeom prst="bentConnector2">
+            <a:avLst/>
+          </a:prstGeom>
+          <a:ln>
+            <a:prstDash val="dash"/>
+            <a:headEnd type="none" w="med" len="med"/>
+            <a:tailEnd type="triangle" w="med" len="med"/>
+          </a:ln>
+        </p:spPr>
+        <p:style>
+          <a:lnRef idx="3">
+            <a:schemeClr val="dk1"/>
+          </a:lnRef>
+          <a:fillRef idx="0">
+            <a:schemeClr val="dk1"/>
+          </a:fillRef>
+          <a:effectRef idx="2">
+            <a:schemeClr val="dk1"/>
+          </a:effectRef>
+          <a:fontRef idx="minor">
+            <a:schemeClr val="tx1"/>
+          </a:fontRef>
+        </p:style>
+      </p:cxnSp>
+      <p:sp>
+        <p:nvSpPr>
+          <p:cNvPr id="74" name="Flussdiagramm: Magnetplattenspeicher 73"/>
+          <p:cNvSpPr/>
+          <p:nvPr/>
+        </p:nvSpPr>
+        <p:spPr>
+          <a:xfrm>
+            <a:off x="4024769" y="4550895"/>
+            <a:ext cx="1100593" cy="609888"/>
+          </a:xfrm>
+          <a:prstGeom prst="flowChartMagneticDisk">
+            <a:avLst/>
+          </a:prstGeom>
+          <a:solidFill>
+            <a:schemeClr val="accent1">
+              <a:lumMod val="60000"/>
+              <a:lumOff val="40000"/>
+            </a:schemeClr>
+          </a:solidFill>
+          <a:ln>
+            <a:noFill/>
+          </a:ln>
+        </p:spPr>
+        <p:style>
+          <a:lnRef idx="2">
+            <a:schemeClr val="accent1">
+              <a:shade val="50000"/>
+            </a:schemeClr>
+          </a:lnRef>
+          <a:fillRef idx="1">
+            <a:schemeClr val="accent1"/>
+          </a:fillRef>
+          <a:effectRef idx="0">
+            <a:schemeClr val="accent1"/>
+          </a:effectRef>
+          <a:fontRef idx="minor">
+            <a:schemeClr val="lt1"/>
+          </a:fontRef>
+        </p:style>
+        <p:txBody>
+          <a:bodyPr rtlCol="0" anchor="ctr"/>
+          <a:lstStyle/>
+          <a:p>
+            <a:pPr algn="ctr"/>
+            <a:r>
+              <a:rPr lang="de-DE" dirty="0" err="1">
+                <a:solidFill>
+                  <a:schemeClr val="tx1"/>
+                </a:solidFill>
+              </a:rPr>
+              <a:t>Infered</a:t>
+            </a:r>
+            <a:r>
+              <a:rPr lang="de-DE" dirty="0">
+                <a:solidFill>
+                  <a:schemeClr val="tx1"/>
+                </a:solidFill>
+              </a:rPr>
+              <a:t> Model</a:t>
+            </a:r>
+            <a:endParaRPr lang="en-US" dirty="0">
+              <a:solidFill>
+                <a:schemeClr val="tx1"/>
+              </a:solidFill>
+            </a:endParaRPr>
+          </a:p>
+        </p:txBody>
+      </p:sp>
+      <p:cxnSp>
+        <p:nvCxnSpPr>
+          <p:cNvPr id="75" name="Gewinkelte Verbindung 14"/>
+          <p:cNvCxnSpPr>
+            <a:cxnSpLocks/>
+            <a:stCxn id="19" idx="4"/>
+            <a:endCxn id="83" idx="0"/>
+          </p:cNvCxnSpPr>
+          <p:nvPr/>
+        </p:nvCxnSpPr>
+        <p:spPr>
+          <a:xfrm>
+            <a:off x="2997548" y="3748619"/>
+            <a:ext cx="1577510" cy="155591"/>
+          </a:xfrm>
+          <a:prstGeom prst="bentConnector2">
+            <a:avLst/>
+          </a:prstGeom>
+          <a:ln>
+            <a:headEnd type="none" w="med" len="med"/>
+            <a:tailEnd type="triangle" w="med" len="med"/>
+          </a:ln>
+        </p:spPr>
+        <p:style>
+          <a:lnRef idx="3">
+            <a:schemeClr val="dk1"/>
+          </a:lnRef>
+          <a:fillRef idx="0">
+            <a:schemeClr val="dk1"/>
+          </a:fillRef>
+          <a:effectRef idx="2">
+            <a:schemeClr val="dk1"/>
+          </a:effectRef>
+          <a:fontRef idx="minor">
+            <a:schemeClr val="tx1"/>
+          </a:fontRef>
+        </p:style>
+      </p:cxnSp>
+      <p:cxnSp>
+        <p:nvCxnSpPr>
+          <p:cNvPr id="78" name="Gewinkelte Verbindung 14"/>
+          <p:cNvCxnSpPr>
+            <a:cxnSpLocks/>
+            <a:stCxn id="68" idx="2"/>
+            <a:endCxn id="83" idx="0"/>
+          </p:cNvCxnSpPr>
+          <p:nvPr/>
+        </p:nvCxnSpPr>
+        <p:spPr>
+          <a:xfrm rot="10800000" flipV="1">
+            <a:off x="4575059" y="3746662"/>
+            <a:ext cx="1356645" cy="157547"/>
+          </a:xfrm>
+          <a:prstGeom prst="bentConnector2">
+            <a:avLst/>
+          </a:prstGeom>
+          <a:ln>
+            <a:headEnd type="none" w="med" len="med"/>
+            <a:tailEnd type="triangle" w="med" len="med"/>
+          </a:ln>
+        </p:spPr>
+        <p:style>
+          <a:lnRef idx="3">
+            <a:schemeClr val="dk1"/>
+          </a:lnRef>
+          <a:fillRef idx="0">
+            <a:schemeClr val="dk1"/>
+          </a:fillRef>
+          <a:effectRef idx="2">
+            <a:schemeClr val="dk1"/>
+          </a:effectRef>
+          <a:fontRef idx="minor">
+            <a:schemeClr val="tx1"/>
+          </a:fontRef>
+        </p:style>
+      </p:cxnSp>
+      <p:sp>
+        <p:nvSpPr>
+          <p:cNvPr id="83" name="Eine Ecke des Rechtecks schneiden 75"/>
+          <p:cNvSpPr/>
+          <p:nvPr/>
+        </p:nvSpPr>
+        <p:spPr>
+          <a:xfrm>
+            <a:off x="4099143" y="3904210"/>
+            <a:ext cx="951829" cy="452462"/>
+          </a:xfrm>
+          <a:prstGeom prst="rect">
+            <a:avLst/>
+          </a:prstGeom>
+          <a:ln>
+            <a:noFill/>
+          </a:ln>
+        </p:spPr>
+        <p:style>
+          <a:lnRef idx="2">
+            <a:schemeClr val="accent1">
+              <a:shade val="50000"/>
+            </a:schemeClr>
+          </a:lnRef>
+          <a:fillRef idx="1">
+            <a:schemeClr val="accent1"/>
+          </a:fillRef>
+          <a:effectRef idx="0">
+            <a:schemeClr val="accent1"/>
+          </a:effectRef>
+          <a:fontRef idx="minor">
+            <a:schemeClr val="lt1"/>
+          </a:fontRef>
+        </p:style>
+        <p:txBody>
+          <a:bodyPr rtlCol="0" anchor="ctr"/>
+          <a:lstStyle/>
+          <a:p>
+            <a:pPr algn="ctr"/>
+            <a:r>
+              <a:rPr lang="de-DE" sz="1400" dirty="0">
+                <a:solidFill>
+                  <a:schemeClr val="tx1"/>
+                </a:solidFill>
+              </a:rPr>
+              <a:t>OWL </a:t>
+            </a:r>
+            <a:r>
+              <a:rPr lang="de-DE" sz="1400" dirty="0" err="1">
+                <a:solidFill>
+                  <a:schemeClr val="tx1"/>
+                </a:solidFill>
+              </a:rPr>
+              <a:t>Reasoner</a:t>
+            </a:r>
+            <a:endParaRPr lang="en-US" sz="1400" dirty="0">
+              <a:solidFill>
+                <a:schemeClr val="tx1"/>
+              </a:solidFill>
+            </a:endParaRPr>
+          </a:p>
+        </p:txBody>
+      </p:sp>
+      <p:sp>
+        <p:nvSpPr>
+          <p:cNvPr id="96" name="Rechteck 95"/>
+          <p:cNvSpPr/>
+          <p:nvPr/>
+        </p:nvSpPr>
+        <p:spPr>
+          <a:xfrm>
+            <a:off x="3766036" y="5411452"/>
+            <a:ext cx="1619327" cy="483807"/>
+          </a:xfrm>
+          <a:prstGeom prst="rect">
+            <a:avLst/>
+          </a:prstGeom>
+          <a:solidFill>
+            <a:schemeClr val="tx2">
+              <a:lumMod val="60000"/>
+              <a:lumOff val="40000"/>
+            </a:schemeClr>
+          </a:solidFill>
+          <a:ln>
+            <a:noFill/>
+          </a:ln>
+        </p:spPr>
+        <p:style>
+          <a:lnRef idx="2">
+            <a:schemeClr val="accent1">
+              <a:shade val="50000"/>
+            </a:schemeClr>
+          </a:lnRef>
+          <a:fillRef idx="1">
+            <a:schemeClr val="accent1"/>
+          </a:fillRef>
+          <a:effectRef idx="0">
+            <a:schemeClr val="accent1"/>
+          </a:effectRef>
+          <a:fontRef idx="minor">
+            <a:schemeClr val="lt1"/>
+          </a:fontRef>
+        </p:style>
+        <p:txBody>
+          <a:bodyPr rtlCol="0" anchor="ctr"/>
+          <a:lstStyle/>
+          <a:p>
+            <a:pPr algn="ctr"/>
+            <a:r>
+              <a:rPr lang="de-DE" dirty="0" err="1">
+                <a:solidFill>
+                  <a:schemeClr val="tx1"/>
+                </a:solidFill>
+              </a:rPr>
+              <a:t>ResultEntities</a:t>
+            </a:r>
+            <a:endParaRPr lang="en-US" dirty="0">
+              <a:solidFill>
+                <a:schemeClr val="tx1"/>
+              </a:solidFill>
+            </a:endParaRPr>
+          </a:p>
+        </p:txBody>
+      </p:sp>
+      <p:sp>
+        <p:nvSpPr>
+          <p:cNvPr id="97" name="Rechteck 96"/>
+          <p:cNvSpPr/>
+          <p:nvPr/>
+        </p:nvSpPr>
+        <p:spPr>
+          <a:xfrm>
+            <a:off x="5672515" y="5410191"/>
+            <a:ext cx="1619327" cy="483807"/>
+          </a:xfrm>
+          <a:prstGeom prst="rect">
+            <a:avLst/>
+          </a:prstGeom>
+          <a:solidFill>
+            <a:schemeClr val="tx2">
+              <a:lumMod val="60000"/>
+              <a:lumOff val="40000"/>
+            </a:schemeClr>
+          </a:solidFill>
+          <a:ln>
+            <a:noFill/>
+          </a:ln>
+        </p:spPr>
+        <p:style>
+          <a:lnRef idx="2">
+            <a:schemeClr val="accent1">
+              <a:shade val="50000"/>
+            </a:schemeClr>
+          </a:lnRef>
+          <a:fillRef idx="1">
+            <a:schemeClr val="accent1"/>
+          </a:fillRef>
+          <a:effectRef idx="0">
+            <a:schemeClr val="accent1"/>
+          </a:effectRef>
+          <a:fontRef idx="minor">
+            <a:schemeClr val="lt1"/>
+          </a:fontRef>
+        </p:style>
+        <p:txBody>
+          <a:bodyPr rtlCol="0" anchor="ctr"/>
+          <a:lstStyle/>
+          <a:p>
+            <a:pPr algn="ctr"/>
+            <a:r>
+              <a:rPr lang="de-DE" dirty="0" err="1">
+                <a:solidFill>
+                  <a:schemeClr val="tx1"/>
+                </a:solidFill>
+              </a:rPr>
+              <a:t>ContextTriples</a:t>
+            </a:r>
+            <a:endParaRPr lang="en-US" dirty="0">
+              <a:solidFill>
+                <a:schemeClr val="tx1"/>
+              </a:solidFill>
+            </a:endParaRPr>
+          </a:p>
+        </p:txBody>
+      </p:sp>
+      <p:sp>
+        <p:nvSpPr>
+          <p:cNvPr id="98" name="Rechteck 97"/>
+          <p:cNvSpPr/>
+          <p:nvPr/>
+        </p:nvSpPr>
+        <p:spPr>
+          <a:xfrm>
+            <a:off x="1416854" y="5405088"/>
+            <a:ext cx="2062030" cy="483807"/>
+          </a:xfrm>
+          <a:prstGeom prst="rect">
+            <a:avLst/>
+          </a:prstGeom>
+          <a:solidFill>
+            <a:schemeClr val="tx2">
+              <a:lumMod val="60000"/>
+              <a:lumOff val="40000"/>
+            </a:schemeClr>
+          </a:solidFill>
+          <a:ln>
+            <a:noFill/>
+          </a:ln>
+        </p:spPr>
+        <p:style>
+          <a:lnRef idx="2">
+            <a:schemeClr val="accent1">
+              <a:shade val="50000"/>
+            </a:schemeClr>
+          </a:lnRef>
+          <a:fillRef idx="1">
+            <a:schemeClr val="accent1"/>
+          </a:fillRef>
+          <a:effectRef idx="0">
+            <a:schemeClr val="accent1"/>
+          </a:effectRef>
+          <a:fontRef idx="minor">
+            <a:schemeClr val="lt1"/>
+          </a:fontRef>
+        </p:style>
+        <p:txBody>
+          <a:bodyPr rtlCol="0" anchor="ctr"/>
+          <a:lstStyle/>
+          <a:p>
+            <a:pPr algn="ctr"/>
+            <a:r>
+              <a:rPr lang="de-DE" dirty="0" err="1">
+                <a:solidFill>
+                  <a:schemeClr val="tx1"/>
+                </a:solidFill>
+              </a:rPr>
+              <a:t>AvailableProperties</a:t>
+            </a:r>
+            <a:endParaRPr lang="en-US" dirty="0">
+              <a:solidFill>
+                <a:schemeClr val="tx1"/>
+              </a:solidFill>
+            </a:endParaRPr>
+          </a:p>
+        </p:txBody>
+      </p:sp>
+      <p:cxnSp>
+        <p:nvCxnSpPr>
+          <p:cNvPr id="104" name="Gewinkelte Verbindung 14"/>
+          <p:cNvCxnSpPr>
+            <a:cxnSpLocks/>
+            <a:stCxn id="19" idx="3"/>
+            <a:endCxn id="98" idx="0"/>
+          </p:cNvCxnSpPr>
+          <p:nvPr/>
+        </p:nvCxnSpPr>
+        <p:spPr>
+          <a:xfrm rot="16200000" flipH="1">
+            <a:off x="1772776" y="4729994"/>
+            <a:ext cx="1349569" cy="617"/>
+          </a:xfrm>
+          <a:prstGeom prst="bentConnector3">
+            <a:avLst>
+              <a:gd name="adj1" fmla="val 50000"/>
+            </a:avLst>
+          </a:prstGeom>
+          <a:ln>
+            <a:headEnd type="none" w="med" len="med"/>
+            <a:tailEnd type="triangle" w="med" len="med"/>
+          </a:ln>
+        </p:spPr>
+        <p:style>
+          <a:lnRef idx="3">
+            <a:schemeClr val="dk1"/>
+          </a:lnRef>
+          <a:fillRef idx="0">
+            <a:schemeClr val="dk1"/>
+          </a:fillRef>
+          <a:effectRef idx="2">
+            <a:schemeClr val="dk1"/>
+          </a:effectRef>
+          <a:fontRef idx="minor">
+            <a:schemeClr val="tx1"/>
+          </a:fontRef>
+        </p:style>
+      </p:cxnSp>
+      <p:cxnSp>
+        <p:nvCxnSpPr>
+          <p:cNvPr id="107" name="Gewinkelte Verbindung 14"/>
+          <p:cNvCxnSpPr>
+            <a:cxnSpLocks/>
+            <a:stCxn id="68" idx="3"/>
+            <a:endCxn id="97" idx="0"/>
+          </p:cNvCxnSpPr>
+          <p:nvPr/>
+        </p:nvCxnSpPr>
+        <p:spPr>
+          <a:xfrm rot="16200000" flipH="1">
+            <a:off x="5802797" y="4730809"/>
+            <a:ext cx="1358584" cy="179"/>
+          </a:xfrm>
+          <a:prstGeom prst="bentConnector3">
+            <a:avLst>
+              <a:gd name="adj1" fmla="val 50000"/>
+            </a:avLst>
+          </a:prstGeom>
+          <a:ln>
+            <a:headEnd type="none" w="med" len="med"/>
+            <a:tailEnd type="triangle" w="med" len="med"/>
+          </a:ln>
+        </p:spPr>
+        <p:style>
+          <a:lnRef idx="3">
+            <a:schemeClr val="dk1"/>
+          </a:lnRef>
+          <a:fillRef idx="0">
+            <a:schemeClr val="dk1"/>
+          </a:fillRef>
+          <a:effectRef idx="2">
+            <a:schemeClr val="dk1"/>
+          </a:effectRef>
+          <a:fontRef idx="minor">
+            <a:schemeClr val="tx1"/>
+          </a:fontRef>
+        </p:style>
+      </p:cxnSp>
+      <p:cxnSp>
+        <p:nvCxnSpPr>
+          <p:cNvPr id="111" name="Gewinkelte Verbindung 14"/>
+          <p:cNvCxnSpPr>
+            <a:cxnSpLocks/>
+            <a:stCxn id="74" idx="3"/>
+            <a:endCxn id="96" idx="0"/>
+          </p:cNvCxnSpPr>
+          <p:nvPr/>
+        </p:nvCxnSpPr>
+        <p:spPr>
+          <a:xfrm rot="16200000" flipH="1">
+            <a:off x="4450049" y="5285800"/>
+            <a:ext cx="250669" cy="634"/>
+          </a:xfrm>
+          <a:prstGeom prst="bentConnector3">
+            <a:avLst>
+              <a:gd name="adj1" fmla="val 50000"/>
+            </a:avLst>
+          </a:prstGeom>
+          <a:ln>
+            <a:headEnd type="none" w="med" len="med"/>
+            <a:tailEnd type="triangle" w="med" len="med"/>
+          </a:ln>
+        </p:spPr>
+        <p:style>
+          <a:lnRef idx="3">
+            <a:schemeClr val="dk1"/>
+          </a:lnRef>
+          <a:fillRef idx="0">
+            <a:schemeClr val="dk1"/>
+          </a:fillRef>
+          <a:effectRef idx="2">
+            <a:schemeClr val="dk1"/>
+          </a:effectRef>
+          <a:fontRef idx="minor">
+            <a:schemeClr val="tx1"/>
+          </a:fontRef>
+        </p:style>
+      </p:cxnSp>
+      <p:sp>
+        <p:nvSpPr>
+          <p:cNvPr id="115" name="Textfeld 114"/>
+          <p:cNvSpPr txBox="1"/>
+          <p:nvPr/>
+        </p:nvSpPr>
+        <p:spPr>
+          <a:xfrm>
+            <a:off x="6481999" y="5930411"/>
+            <a:ext cx="1490834" cy="307777"/>
+          </a:xfrm>
+          <a:prstGeom prst="rect">
+            <a:avLst/>
+          </a:prstGeom>
+          <a:noFill/>
+        </p:spPr>
+        <p:txBody>
+          <a:bodyPr wrap="square" rtlCol="0">
+            <a:spAutoFit/>
+          </a:bodyPr>
+          <a:lstStyle/>
+          <a:p>
+            <a:r>
+              <a:rPr lang="de-DE" sz="1400" dirty="0" err="1"/>
+              <a:t>Triples</a:t>
+            </a:r>
+            <a:r>
+              <a:rPr lang="de-DE" sz="1400" dirty="0"/>
+              <a:t> </a:t>
+            </a:r>
+            <a:r>
+              <a:rPr lang="de-DE" sz="1400" dirty="0" err="1"/>
+              <a:t>of</a:t>
+            </a:r>
+            <a:r>
+              <a:rPr lang="de-DE" sz="1400" dirty="0"/>
+              <a:t> </a:t>
+            </a:r>
+            <a:r>
+              <a:rPr lang="de-DE" sz="1400" dirty="0" err="1"/>
+              <a:t>Context</a:t>
+            </a:r>
+            <a:endParaRPr lang="en-US" sz="1400" dirty="0"/>
+          </a:p>
+        </p:txBody>
+      </p:sp>
+      <p:sp>
+        <p:nvSpPr>
+          <p:cNvPr id="116" name="Textfeld 115"/>
+          <p:cNvSpPr txBox="1"/>
+          <p:nvPr/>
+        </p:nvSpPr>
+        <p:spPr>
+          <a:xfrm>
+            <a:off x="2445053" y="5845204"/>
+            <a:ext cx="1490834" cy="523220"/>
+          </a:xfrm>
+          <a:prstGeom prst="rect">
+            <a:avLst/>
+          </a:prstGeom>
+          <a:noFill/>
+        </p:spPr>
+        <p:txBody>
+          <a:bodyPr wrap="square" rtlCol="0">
+            <a:spAutoFit/>
+          </a:bodyPr>
+          <a:lstStyle/>
+          <a:p>
+            <a:r>
+              <a:rPr lang="de-DE" sz="1400" dirty="0" err="1"/>
+              <a:t>Available</a:t>
+            </a:r>
+            <a:endParaRPr lang="de-DE" sz="1400" dirty="0"/>
+          </a:p>
+          <a:p>
+            <a:r>
+              <a:rPr lang="de-DE" sz="1400" dirty="0"/>
+              <a:t>Query Properties</a:t>
+            </a:r>
+            <a:endParaRPr lang="en-US" sz="1400" dirty="0"/>
+          </a:p>
+        </p:txBody>
+      </p:sp>
+      <p:cxnSp>
+        <p:nvCxnSpPr>
+          <p:cNvPr id="123" name="Gewinkelte Verbindung 14"/>
+          <p:cNvCxnSpPr>
+            <a:cxnSpLocks/>
+            <a:stCxn id="83" idx="2"/>
+            <a:endCxn id="74" idx="1"/>
+          </p:cNvCxnSpPr>
+          <p:nvPr/>
+        </p:nvCxnSpPr>
+        <p:spPr>
+          <a:xfrm rot="16200000" flipH="1">
+            <a:off x="4477951" y="4453779"/>
+            <a:ext cx="194223" cy="8"/>
+          </a:xfrm>
+          <a:prstGeom prst="bentConnector3">
+            <a:avLst>
+              <a:gd name="adj1" fmla="val 50000"/>
+            </a:avLst>
+          </a:prstGeom>
+          <a:ln>
+            <a:headEnd type="none" w="med" len="med"/>
+            <a:tailEnd type="triangle" w="med" len="med"/>
+          </a:ln>
+        </p:spPr>
+        <p:style>
+          <a:lnRef idx="3">
+            <a:schemeClr val="dk1"/>
+          </a:lnRef>
+          <a:fillRef idx="0">
+            <a:schemeClr val="dk1"/>
+          </a:fillRef>
+          <a:effectRef idx="2">
+            <a:schemeClr val="dk1"/>
+          </a:effectRef>
+          <a:fontRef idx="minor">
+            <a:schemeClr val="tx1"/>
+          </a:fontRef>
+        </p:style>
+      </p:cxnSp>
+      <p:cxnSp>
+        <p:nvCxnSpPr>
+          <p:cNvPr id="126" name="Gewinkelte Verbindung 14"/>
+          <p:cNvCxnSpPr>
+            <a:cxnSpLocks/>
+            <a:stCxn id="98" idx="2"/>
+          </p:cNvCxnSpPr>
+          <p:nvPr/>
+        </p:nvCxnSpPr>
+        <p:spPr>
+          <a:xfrm rot="5400000">
+            <a:off x="2216464" y="6119682"/>
+            <a:ext cx="462192" cy="618"/>
+          </a:xfrm>
+          <a:prstGeom prst="bentConnector3">
+            <a:avLst>
+              <a:gd name="adj1" fmla="val 50000"/>
+            </a:avLst>
+          </a:prstGeom>
+          <a:ln>
+            <a:headEnd type="none" w="med" len="med"/>
+            <a:tailEnd type="triangle" w="med" len="med"/>
+          </a:ln>
+        </p:spPr>
+        <p:style>
+          <a:lnRef idx="3">
+            <a:schemeClr val="dk1"/>
+          </a:lnRef>
+          <a:fillRef idx="0">
+            <a:schemeClr val="dk1"/>
+          </a:fillRef>
+          <a:effectRef idx="2">
+            <a:schemeClr val="dk1"/>
+          </a:effectRef>
+          <a:fontRef idx="minor">
+            <a:schemeClr val="tx1"/>
+          </a:fontRef>
+        </p:style>
+      </p:cxnSp>
+      <p:cxnSp>
+        <p:nvCxnSpPr>
+          <p:cNvPr id="132" name="Gewinkelte Verbindung 14"/>
+          <p:cNvCxnSpPr>
+            <a:cxnSpLocks/>
+            <a:stCxn id="96" idx="2"/>
+          </p:cNvCxnSpPr>
+          <p:nvPr/>
+        </p:nvCxnSpPr>
+        <p:spPr>
+          <a:xfrm rot="5400000">
+            <a:off x="4347465" y="6122852"/>
+            <a:ext cx="455828" cy="643"/>
+          </a:xfrm>
+          <a:prstGeom prst="bentConnector3">
+            <a:avLst>
+              <a:gd name="adj1" fmla="val 50000"/>
+            </a:avLst>
+          </a:prstGeom>
+          <a:ln>
+            <a:headEnd type="none" w="med" len="med"/>
+            <a:tailEnd type="triangle" w="med" len="med"/>
+          </a:ln>
+        </p:spPr>
+        <p:style>
+          <a:lnRef idx="3">
+            <a:schemeClr val="dk1"/>
+          </a:lnRef>
+          <a:fillRef idx="0">
+            <a:schemeClr val="dk1"/>
+          </a:fillRef>
+          <a:effectRef idx="2">
+            <a:schemeClr val="dk1"/>
+          </a:effectRef>
+          <a:fontRef idx="minor">
+            <a:schemeClr val="tx1"/>
+          </a:fontRef>
+        </p:style>
+      </p:cxnSp>
+      <p:cxnSp>
+        <p:nvCxnSpPr>
+          <p:cNvPr id="135" name="Gewinkelte Verbindung 14"/>
+          <p:cNvCxnSpPr>
+            <a:cxnSpLocks/>
+            <a:stCxn id="97" idx="2"/>
+          </p:cNvCxnSpPr>
+          <p:nvPr/>
+        </p:nvCxnSpPr>
+        <p:spPr>
+          <a:xfrm rot="5400000">
+            <a:off x="6264212" y="6111785"/>
+            <a:ext cx="435755" cy="180"/>
+          </a:xfrm>
+          <a:prstGeom prst="bentConnector3">
+            <a:avLst>
+              <a:gd name="adj1" fmla="val 50000"/>
+            </a:avLst>
+          </a:prstGeom>
+          <a:ln>
+            <a:headEnd type="none" w="med" len="med"/>
+            <a:tailEnd type="triangle" w="med" len="med"/>
+          </a:ln>
+        </p:spPr>
+        <p:style>
+          <a:lnRef idx="3">
+            <a:schemeClr val="dk1"/>
+          </a:lnRef>
+          <a:fillRef idx="0">
+            <a:schemeClr val="dk1"/>
+          </a:fillRef>
+          <a:effectRef idx="2">
+            <a:schemeClr val="dk1"/>
+          </a:effectRef>
+          <a:fontRef idx="minor">
+            <a:schemeClr val="tx1"/>
+          </a:fontRef>
+        </p:style>
+      </p:cxnSp>
+      <p:sp>
+        <p:nvSpPr>
+          <p:cNvPr id="138" name="Textfeld 137"/>
+          <p:cNvSpPr txBox="1"/>
+          <p:nvPr/>
+        </p:nvSpPr>
+        <p:spPr>
+          <a:xfrm>
+            <a:off x="4533699" y="5858381"/>
+            <a:ext cx="1490834" cy="523220"/>
+          </a:xfrm>
+          <a:prstGeom prst="rect">
+            <a:avLst/>
+          </a:prstGeom>
+          <a:noFill/>
+        </p:spPr>
+        <p:txBody>
+          <a:bodyPr wrap="square" rtlCol="0">
+            <a:spAutoFit/>
+          </a:bodyPr>
+          <a:lstStyle/>
+          <a:p>
+            <a:r>
+              <a:rPr lang="de-DE" sz="1400" dirty="0" err="1"/>
+              <a:t>Entities</a:t>
+            </a:r>
+            <a:r>
+              <a:rPr lang="de-DE" sz="1400" dirty="0"/>
+              <a:t> </a:t>
+            </a:r>
+            <a:r>
+              <a:rPr lang="de-DE" sz="1400" dirty="0" err="1"/>
+              <a:t>with</a:t>
+            </a:r>
+            <a:r>
+              <a:rPr lang="de-DE" sz="1400" dirty="0"/>
+              <a:t> Properties</a:t>
+            </a:r>
+            <a:endParaRPr lang="en-US" sz="1400" dirty="0"/>
+          </a:p>
+        </p:txBody>
+      </p:sp>
+      <p:sp>
+        <p:nvSpPr>
+          <p:cNvPr id="139" name="Abgerundetes Rechteck 10"/>
+          <p:cNvSpPr/>
+          <p:nvPr/>
+        </p:nvSpPr>
+        <p:spPr>
+          <a:xfrm>
+            <a:off x="7728650" y="966002"/>
+            <a:ext cx="3885745" cy="4777507"/>
+          </a:xfrm>
+          <a:prstGeom prst="roundRect">
+            <a:avLst/>
+          </a:prstGeom>
+          <a:solidFill>
+            <a:schemeClr val="accent3">
+              <a:lumMod val="20000"/>
+              <a:lumOff val="80000"/>
+            </a:schemeClr>
+          </a:solidFill>
+        </p:spPr>
+        <p:style>
+          <a:lnRef idx="2">
+            <a:schemeClr val="accent1">
+              <a:shade val="50000"/>
+            </a:schemeClr>
+          </a:lnRef>
+          <a:fillRef idx="1">
+            <a:schemeClr val="accent1"/>
+          </a:fillRef>
+          <a:effectRef idx="0">
+            <a:schemeClr val="accent1"/>
+          </a:effectRef>
+          <a:fontRef idx="minor">
+            <a:schemeClr val="lt1"/>
+          </a:fontRef>
+        </p:style>
+        <p:txBody>
+          <a:bodyPr rtlCol="0" anchor="t"/>
+          <a:lstStyle/>
+          <a:p>
+            <a:pPr algn="ctr"/>
+            <a:r>
+              <a:rPr lang="de-DE" sz="2400" b="1" dirty="0" err="1">
+                <a:solidFill>
+                  <a:schemeClr val="tx1"/>
+                </a:solidFill>
+              </a:rPr>
+              <a:t>QuerySource</a:t>
+            </a:r>
+            <a:r>
+              <a:rPr lang="de-DE" sz="2400" b="1" dirty="0">
+                <a:solidFill>
+                  <a:schemeClr val="tx1"/>
+                </a:solidFill>
+              </a:rPr>
+              <a:t> </a:t>
+            </a:r>
+          </a:p>
+          <a:p>
+            <a:pPr algn="ctr"/>
+            <a:r>
+              <a:rPr lang="de-DE" dirty="0">
+                <a:solidFill>
+                  <a:schemeClr val="tx1"/>
+                </a:solidFill>
+              </a:rPr>
+              <a:t>(Thread) </a:t>
+            </a:r>
+            <a:endParaRPr lang="en-US" dirty="0">
+              <a:solidFill>
+                <a:schemeClr val="tx1"/>
+              </a:solidFill>
+            </a:endParaRPr>
+          </a:p>
+        </p:txBody>
+      </p:sp>
+      <p:sp>
+        <p:nvSpPr>
+          <p:cNvPr id="140" name="Rechteck 139"/>
+          <p:cNvSpPr/>
+          <p:nvPr/>
+        </p:nvSpPr>
+        <p:spPr>
+          <a:xfrm>
+            <a:off x="7838648" y="724098"/>
+            <a:ext cx="1193276" cy="514657"/>
+          </a:xfrm>
+          <a:prstGeom prst="rect">
+            <a:avLst/>
+          </a:prstGeom>
+          <a:solidFill>
+            <a:schemeClr val="tx2">
+              <a:lumMod val="60000"/>
+              <a:lumOff val="40000"/>
+            </a:schemeClr>
+          </a:solidFill>
+          <a:ln>
+            <a:noFill/>
+          </a:ln>
+        </p:spPr>
+        <p:style>
+          <a:lnRef idx="2">
+            <a:schemeClr val="accent1">
+              <a:shade val="50000"/>
+            </a:schemeClr>
+          </a:lnRef>
+          <a:fillRef idx="1">
+            <a:schemeClr val="accent1"/>
+          </a:fillRef>
+          <a:effectRef idx="0">
+            <a:schemeClr val="accent1"/>
+          </a:effectRef>
+          <a:fontRef idx="minor">
+            <a:schemeClr val="lt1"/>
+          </a:fontRef>
+        </p:style>
+        <p:txBody>
+          <a:bodyPr rtlCol="0" anchor="ctr"/>
+          <a:lstStyle/>
+          <a:p>
+            <a:pPr algn="ctr"/>
+            <a:r>
+              <a:rPr lang="de-DE" dirty="0" err="1">
+                <a:solidFill>
+                  <a:schemeClr val="tx1"/>
+                </a:solidFill>
+              </a:rPr>
+              <a:t>run</a:t>
+            </a:r>
+            <a:endParaRPr lang="en-US" dirty="0">
+              <a:solidFill>
+                <a:schemeClr val="tx1"/>
+              </a:solidFill>
+            </a:endParaRPr>
+          </a:p>
+        </p:txBody>
+      </p:sp>
+      <p:sp>
+        <p:nvSpPr>
+          <p:cNvPr id="141" name="Textfeld 140"/>
+          <p:cNvSpPr txBox="1"/>
+          <p:nvPr/>
+        </p:nvSpPr>
+        <p:spPr>
+          <a:xfrm>
+            <a:off x="8435286" y="200878"/>
+            <a:ext cx="1490834" cy="523220"/>
+          </a:xfrm>
+          <a:prstGeom prst="rect">
+            <a:avLst/>
+          </a:prstGeom>
+          <a:noFill/>
+        </p:spPr>
+        <p:txBody>
+          <a:bodyPr wrap="square" rtlCol="0">
+            <a:spAutoFit/>
+          </a:bodyPr>
+          <a:lstStyle/>
+          <a:p>
+            <a:r>
+              <a:rPr lang="de-DE" sz="1400" dirty="0" err="1"/>
+              <a:t>Entities</a:t>
+            </a:r>
+            <a:r>
+              <a:rPr lang="de-DE" sz="1400" dirty="0"/>
+              <a:t>,</a:t>
+            </a:r>
+          </a:p>
+          <a:p>
+            <a:r>
+              <a:rPr lang="de-DE" sz="1400" dirty="0"/>
+              <a:t>Source</a:t>
+            </a:r>
+            <a:endParaRPr lang="en-US" sz="1400" dirty="0"/>
+          </a:p>
+        </p:txBody>
+      </p:sp>
+      <p:cxnSp>
+        <p:nvCxnSpPr>
+          <p:cNvPr id="142" name="Gerade Verbindung mit Pfeil 141"/>
+          <p:cNvCxnSpPr>
+            <a:cxnSpLocks/>
+            <a:endCxn id="140" idx="0"/>
+          </p:cNvCxnSpPr>
+          <p:nvPr/>
+        </p:nvCxnSpPr>
+        <p:spPr>
+          <a:xfrm>
+            <a:off x="8435286" y="227338"/>
+            <a:ext cx="0" cy="496760"/>
+          </a:xfrm>
+          <a:prstGeom prst="straightConnector1">
+            <a:avLst/>
+          </a:prstGeom>
+          <a:ln>
+            <a:headEnd type="none" w="med" len="med"/>
+            <a:tailEnd type="triangle" w="med" len="med"/>
+          </a:ln>
+        </p:spPr>
+        <p:style>
+          <a:lnRef idx="3">
+            <a:schemeClr val="dk1"/>
+          </a:lnRef>
+          <a:fillRef idx="0">
+            <a:schemeClr val="dk1"/>
+          </a:fillRef>
+          <a:effectRef idx="2">
+            <a:schemeClr val="dk1"/>
+          </a:effectRef>
+          <a:fontRef idx="minor">
+            <a:schemeClr val="tx1"/>
+          </a:fontRef>
+        </p:style>
+      </p:cxnSp>
+      <p:sp>
+        <p:nvSpPr>
+          <p:cNvPr id="146" name="Rechteck 145"/>
+          <p:cNvSpPr/>
+          <p:nvPr/>
+        </p:nvSpPr>
+        <p:spPr>
+          <a:xfrm>
+            <a:off x="8872525" y="5411452"/>
+            <a:ext cx="1619327" cy="483807"/>
+          </a:xfrm>
+          <a:prstGeom prst="rect">
+            <a:avLst/>
+          </a:prstGeom>
+          <a:solidFill>
+            <a:schemeClr val="tx2">
+              <a:lumMod val="60000"/>
+              <a:lumOff val="40000"/>
+            </a:schemeClr>
+          </a:solidFill>
+          <a:ln>
+            <a:noFill/>
+          </a:ln>
+        </p:spPr>
+        <p:style>
+          <a:lnRef idx="2">
+            <a:schemeClr val="accent1">
+              <a:shade val="50000"/>
+            </a:schemeClr>
+          </a:lnRef>
+          <a:fillRef idx="1">
+            <a:schemeClr val="accent1"/>
+          </a:fillRef>
+          <a:effectRef idx="0">
+            <a:schemeClr val="accent1"/>
+          </a:effectRef>
+          <a:fontRef idx="minor">
+            <a:schemeClr val="lt1"/>
+          </a:fontRef>
+        </p:style>
+        <p:txBody>
+          <a:bodyPr rtlCol="0" anchor="ctr"/>
+          <a:lstStyle/>
+          <a:p>
+            <a:pPr algn="ctr"/>
+            <a:r>
+              <a:rPr lang="de-DE" dirty="0" err="1">
+                <a:solidFill>
+                  <a:schemeClr val="tx1"/>
+                </a:solidFill>
+              </a:rPr>
+              <a:t>ResultModel</a:t>
+            </a:r>
+            <a:endParaRPr lang="en-US" dirty="0">
+              <a:solidFill>
+                <a:schemeClr val="tx1"/>
+              </a:solidFill>
+            </a:endParaRPr>
+          </a:p>
+        </p:txBody>
+      </p:sp>
+      <p:cxnSp>
+        <p:nvCxnSpPr>
+          <p:cNvPr id="147" name="Gewinkelte Verbindung 14"/>
+          <p:cNvCxnSpPr>
+            <a:cxnSpLocks/>
+            <a:stCxn id="140" idx="2"/>
+            <a:endCxn id="151" idx="1"/>
+          </p:cNvCxnSpPr>
+          <p:nvPr/>
+        </p:nvCxnSpPr>
+        <p:spPr>
+          <a:xfrm rot="16200000" flipH="1">
+            <a:off x="8036759" y="1637282"/>
+            <a:ext cx="939567" cy="142512"/>
+          </a:xfrm>
+          <a:prstGeom prst="bentConnector2">
+            <a:avLst/>
+          </a:prstGeom>
+          <a:ln>
+            <a:headEnd type="none" w="med" len="med"/>
+            <a:tailEnd type="triangle" w="med" len="med"/>
+          </a:ln>
+        </p:spPr>
+        <p:style>
+          <a:lnRef idx="3">
+            <a:schemeClr val="dk1"/>
+          </a:lnRef>
+          <a:fillRef idx="0">
+            <a:schemeClr val="dk1"/>
+          </a:fillRef>
+          <a:effectRef idx="2">
+            <a:schemeClr val="dk1"/>
+          </a:effectRef>
+          <a:fontRef idx="minor">
+            <a:schemeClr val="tx1"/>
+          </a:fontRef>
+        </p:style>
+      </p:cxnSp>
+      <p:cxnSp>
+        <p:nvCxnSpPr>
+          <p:cNvPr id="148" name="Gewinkelte Verbindung 14"/>
+          <p:cNvCxnSpPr>
+            <a:cxnSpLocks/>
+            <a:stCxn id="140" idx="2"/>
+            <a:endCxn id="159" idx="1"/>
+          </p:cNvCxnSpPr>
+          <p:nvPr/>
+        </p:nvCxnSpPr>
+        <p:spPr>
+          <a:xfrm rot="16200000" flipH="1">
+            <a:off x="7715026" y="1959015"/>
+            <a:ext cx="1583032" cy="142512"/>
+          </a:xfrm>
+          <a:prstGeom prst="bentConnector2">
+            <a:avLst/>
+          </a:prstGeom>
+          <a:ln>
+            <a:prstDash val="dash"/>
+            <a:headEnd type="none" w="med" len="med"/>
+            <a:tailEnd type="triangle" w="med" len="med"/>
+          </a:ln>
+        </p:spPr>
+        <p:style>
+          <a:lnRef idx="3">
+            <a:schemeClr val="dk1"/>
+          </a:lnRef>
+          <a:fillRef idx="0">
+            <a:schemeClr val="dk1"/>
+          </a:fillRef>
+          <a:effectRef idx="2">
+            <a:schemeClr val="dk1"/>
+          </a:effectRef>
+          <a:fontRef idx="minor">
+            <a:schemeClr val="tx1"/>
+          </a:fontRef>
+        </p:style>
+      </p:cxnSp>
+      <p:sp>
+        <p:nvSpPr>
+          <p:cNvPr id="151" name="Rechteck 150"/>
+          <p:cNvSpPr/>
+          <p:nvPr/>
+        </p:nvSpPr>
+        <p:spPr>
+          <a:xfrm>
+            <a:off x="8577798" y="2026502"/>
+            <a:ext cx="2203024" cy="303639"/>
+          </a:xfrm>
+          <a:prstGeom prst="rect">
+            <a:avLst/>
+          </a:prstGeom>
+          <a:solidFill>
+            <a:schemeClr val="accent1"/>
+          </a:solidFill>
+          <a:ln>
+            <a:noFill/>
+          </a:ln>
+        </p:spPr>
+        <p:style>
+          <a:lnRef idx="2">
+            <a:schemeClr val="accent1">
+              <a:shade val="50000"/>
+            </a:schemeClr>
+          </a:lnRef>
+          <a:fillRef idx="1">
+            <a:schemeClr val="accent1"/>
+          </a:fillRef>
+          <a:effectRef idx="0">
+            <a:schemeClr val="accent1"/>
+          </a:effectRef>
+          <a:fontRef idx="minor">
+            <a:schemeClr val="lt1"/>
+          </a:fontRef>
+        </p:style>
+        <p:txBody>
+          <a:bodyPr rtlCol="0" anchor="ctr"/>
+          <a:lstStyle/>
+          <a:p>
+            <a:pPr algn="ctr"/>
+            <a:r>
+              <a:rPr lang="de-DE" dirty="0">
+                <a:solidFill>
+                  <a:schemeClr val="tx1"/>
+                </a:solidFill>
+              </a:rPr>
+              <a:t>SELECT URIs </a:t>
+            </a:r>
+            <a:r>
+              <a:rPr lang="de-DE" sz="1600" dirty="0">
+                <a:solidFill>
+                  <a:schemeClr val="tx1"/>
+                </a:solidFill>
+              </a:rPr>
+              <a:t>(Entity 1)</a:t>
+            </a:r>
+            <a:endParaRPr lang="en-US" sz="1600" dirty="0">
+              <a:solidFill>
+                <a:schemeClr val="tx1"/>
+              </a:solidFill>
+            </a:endParaRPr>
+          </a:p>
+        </p:txBody>
+      </p:sp>
+      <p:sp>
+        <p:nvSpPr>
+          <p:cNvPr id="155" name="Textfeld 154"/>
+          <p:cNvSpPr txBox="1"/>
+          <p:nvPr/>
+        </p:nvSpPr>
+        <p:spPr>
+          <a:xfrm>
+            <a:off x="8542819" y="1928121"/>
+            <a:ext cx="609462" cy="830997"/>
+          </a:xfrm>
+          <a:prstGeom prst="rect">
+            <a:avLst/>
+          </a:prstGeom>
+          <a:noFill/>
+        </p:spPr>
+        <p:txBody>
+          <a:bodyPr wrap="none" rtlCol="0">
+            <a:spAutoFit/>
+          </a:bodyPr>
+          <a:lstStyle/>
+          <a:p>
+            <a:r>
+              <a:rPr lang="de-DE" sz="4800" dirty="0">
+                <a:solidFill>
+                  <a:schemeClr val="tx1">
+                    <a:lumMod val="50000"/>
+                    <a:lumOff val="50000"/>
+                  </a:schemeClr>
+                </a:solidFill>
+              </a:rPr>
+              <a:t>…</a:t>
+            </a:r>
+            <a:endParaRPr lang="en-US" sz="4800" dirty="0">
+              <a:solidFill>
+                <a:schemeClr val="tx1">
+                  <a:lumMod val="50000"/>
+                  <a:lumOff val="50000"/>
+                </a:schemeClr>
+              </a:solidFill>
+            </a:endParaRPr>
+          </a:p>
+        </p:txBody>
+      </p:sp>
+      <p:sp>
+        <p:nvSpPr>
+          <p:cNvPr id="159" name="Rechteck 158"/>
+          <p:cNvSpPr/>
+          <p:nvPr/>
+        </p:nvSpPr>
+        <p:spPr>
+          <a:xfrm>
+            <a:off x="8577798" y="2669967"/>
+            <a:ext cx="2203024" cy="303639"/>
+          </a:xfrm>
+          <a:prstGeom prst="rect">
+            <a:avLst/>
+          </a:prstGeom>
+          <a:ln>
+            <a:solidFill>
+              <a:schemeClr val="bg2"/>
+            </a:solidFill>
+            <a:prstDash val="dash"/>
+          </a:ln>
+        </p:spPr>
+        <p:style>
+          <a:lnRef idx="2">
+            <a:schemeClr val="accent1">
+              <a:shade val="50000"/>
+            </a:schemeClr>
+          </a:lnRef>
+          <a:fillRef idx="1">
+            <a:schemeClr val="accent1"/>
+          </a:fillRef>
+          <a:effectRef idx="0">
+            <a:schemeClr val="accent1"/>
+          </a:effectRef>
+          <a:fontRef idx="minor">
+            <a:schemeClr val="lt1"/>
+          </a:fontRef>
+        </p:style>
+        <p:txBody>
+          <a:bodyPr rtlCol="0" anchor="ctr"/>
+          <a:lstStyle/>
+          <a:p>
+            <a:pPr algn="ctr"/>
+            <a:r>
+              <a:rPr lang="de-DE" dirty="0">
+                <a:solidFill>
+                  <a:schemeClr val="tx1"/>
+                </a:solidFill>
+              </a:rPr>
+              <a:t>SELECT URIs </a:t>
+            </a:r>
+            <a:r>
+              <a:rPr lang="de-DE" sz="1600" dirty="0">
+                <a:solidFill>
+                  <a:schemeClr val="tx1"/>
+                </a:solidFill>
+              </a:rPr>
+              <a:t>(Entity n)</a:t>
+            </a:r>
+            <a:endParaRPr lang="en-US" dirty="0">
+              <a:solidFill>
+                <a:schemeClr val="tx1"/>
+              </a:solidFill>
+            </a:endParaRPr>
+          </a:p>
+        </p:txBody>
+      </p:sp>
+      <p:cxnSp>
+        <p:nvCxnSpPr>
+          <p:cNvPr id="162" name="Gewinkelte Verbindung 14"/>
+          <p:cNvCxnSpPr>
+            <a:cxnSpLocks/>
+            <a:stCxn id="151" idx="3"/>
+            <a:endCxn id="172" idx="0"/>
+          </p:cNvCxnSpPr>
+          <p:nvPr/>
+        </p:nvCxnSpPr>
+        <p:spPr>
+          <a:xfrm>
+            <a:off x="10780822" y="2178322"/>
+            <a:ext cx="272809" cy="941515"/>
+          </a:xfrm>
+          <a:prstGeom prst="bentConnector2">
+            <a:avLst/>
+          </a:prstGeom>
+          <a:ln>
+            <a:headEnd type="none" w="med" len="med"/>
+            <a:tailEnd type="triangle" w="med" len="med"/>
+          </a:ln>
+        </p:spPr>
+        <p:style>
+          <a:lnRef idx="3">
+            <a:schemeClr val="dk1"/>
+          </a:lnRef>
+          <a:fillRef idx="0">
+            <a:schemeClr val="dk1"/>
+          </a:fillRef>
+          <a:effectRef idx="2">
+            <a:schemeClr val="dk1"/>
+          </a:effectRef>
+          <a:fontRef idx="minor">
+            <a:schemeClr val="tx1"/>
+          </a:fontRef>
+        </p:style>
+      </p:cxnSp>
+      <p:cxnSp>
+        <p:nvCxnSpPr>
+          <p:cNvPr id="168" name="Gewinkelte Verbindung 14"/>
+          <p:cNvCxnSpPr>
+            <a:cxnSpLocks/>
+            <a:stCxn id="159" idx="3"/>
+            <a:endCxn id="172" idx="0"/>
+          </p:cNvCxnSpPr>
+          <p:nvPr/>
+        </p:nvCxnSpPr>
+        <p:spPr>
+          <a:xfrm>
+            <a:off x="10780822" y="2821787"/>
+            <a:ext cx="272809" cy="298050"/>
+          </a:xfrm>
+          <a:prstGeom prst="bentConnector2">
+            <a:avLst/>
+          </a:prstGeom>
+          <a:ln>
+            <a:prstDash val="dash"/>
+            <a:headEnd type="none" w="med" len="med"/>
+            <a:tailEnd type="triangle" w="med" len="med"/>
+          </a:ln>
+        </p:spPr>
+        <p:style>
+          <a:lnRef idx="3">
+            <a:schemeClr val="dk1"/>
+          </a:lnRef>
+          <a:fillRef idx="0">
+            <a:schemeClr val="dk1"/>
+          </a:fillRef>
+          <a:effectRef idx="2">
+            <a:schemeClr val="dk1"/>
+          </a:effectRef>
+          <a:fontRef idx="minor">
+            <a:schemeClr val="tx1"/>
+          </a:fontRef>
+        </p:style>
+      </p:cxnSp>
+      <p:sp>
+        <p:nvSpPr>
+          <p:cNvPr id="172" name="Eine Ecke des Rechtecks schneiden 75"/>
+          <p:cNvSpPr/>
+          <p:nvPr/>
+        </p:nvSpPr>
+        <p:spPr>
+          <a:xfrm>
+            <a:off x="10553490" y="3119837"/>
+            <a:ext cx="1000281" cy="626825"/>
+          </a:xfrm>
+          <a:prstGeom prst="rect">
+            <a:avLst/>
+          </a:prstGeom>
+          <a:ln>
+            <a:noFill/>
+          </a:ln>
+        </p:spPr>
+        <p:style>
+          <a:lnRef idx="2">
+            <a:schemeClr val="accent1">
+              <a:shade val="50000"/>
+            </a:schemeClr>
+          </a:lnRef>
+          <a:fillRef idx="1">
+            <a:schemeClr val="accent1"/>
+          </a:fillRef>
+          <a:effectRef idx="0">
+            <a:schemeClr val="accent1"/>
+          </a:effectRef>
+          <a:fontRef idx="minor">
+            <a:schemeClr val="lt1"/>
+          </a:fontRef>
+        </p:style>
+        <p:txBody>
+          <a:bodyPr rtlCol="0" anchor="ctr"/>
+          <a:lstStyle/>
+          <a:p>
+            <a:pPr algn="ctr"/>
+            <a:r>
+              <a:rPr lang="de-DE" dirty="0">
+                <a:solidFill>
+                  <a:schemeClr val="tx1"/>
+                </a:solidFill>
+              </a:rPr>
+              <a:t>Select Top URIs</a:t>
+            </a:r>
+            <a:endParaRPr lang="en-US" dirty="0">
+              <a:solidFill>
+                <a:schemeClr val="tx1"/>
+              </a:solidFill>
+            </a:endParaRPr>
+          </a:p>
+        </p:txBody>
+      </p:sp>
+      <p:sp>
+        <p:nvSpPr>
+          <p:cNvPr id="179" name="Rechteck 178"/>
+          <p:cNvSpPr/>
+          <p:nvPr/>
+        </p:nvSpPr>
+        <p:spPr>
+          <a:xfrm>
+            <a:off x="9009192" y="3109733"/>
+            <a:ext cx="1336964" cy="643764"/>
+          </a:xfrm>
+          <a:prstGeom prst="rect">
+            <a:avLst/>
+          </a:prstGeom>
+          <a:ln>
+            <a:noFill/>
+          </a:ln>
+        </p:spPr>
+        <p:style>
+          <a:lnRef idx="2">
+            <a:schemeClr val="accent1">
+              <a:shade val="50000"/>
+            </a:schemeClr>
+          </a:lnRef>
+          <a:fillRef idx="1">
+            <a:schemeClr val="accent1"/>
+          </a:fillRef>
+          <a:effectRef idx="0">
+            <a:schemeClr val="accent1"/>
+          </a:effectRef>
+          <a:fontRef idx="minor">
+            <a:schemeClr val="lt1"/>
+          </a:fontRef>
+        </p:style>
+        <p:txBody>
+          <a:bodyPr rtlCol="0" anchor="ctr"/>
+          <a:lstStyle/>
+          <a:p>
+            <a:pPr algn="ctr"/>
+            <a:r>
+              <a:rPr lang="de-DE" dirty="0">
+                <a:solidFill>
+                  <a:schemeClr val="tx1"/>
+                </a:solidFill>
+              </a:rPr>
+              <a:t>CONSTRUCT Query</a:t>
+            </a:r>
+            <a:endParaRPr lang="en-US" sz="1600" dirty="0">
+              <a:solidFill>
+                <a:schemeClr val="tx1"/>
+              </a:solidFill>
+            </a:endParaRPr>
+          </a:p>
+        </p:txBody>
+      </p:sp>
+      <p:cxnSp>
+        <p:nvCxnSpPr>
+          <p:cNvPr id="181" name="Gewinkelte Verbindung 14"/>
+          <p:cNvCxnSpPr>
+            <a:cxnSpLocks/>
+            <a:stCxn id="172" idx="1"/>
+            <a:endCxn id="179" idx="3"/>
+          </p:cNvCxnSpPr>
+          <p:nvPr/>
+        </p:nvCxnSpPr>
+        <p:spPr>
+          <a:xfrm rot="10800000">
+            <a:off x="10346156" y="3431616"/>
+            <a:ext cx="207334" cy="1635"/>
+          </a:xfrm>
+          <a:prstGeom prst="bentConnector3">
+            <a:avLst>
+              <a:gd name="adj1" fmla="val 50000"/>
+            </a:avLst>
+          </a:prstGeom>
+          <a:ln>
+            <a:headEnd type="none" w="med" len="med"/>
+            <a:tailEnd type="triangle" w="med" len="med"/>
+          </a:ln>
+        </p:spPr>
+        <p:style>
+          <a:lnRef idx="3">
+            <a:schemeClr val="dk1"/>
+          </a:lnRef>
+          <a:fillRef idx="0">
+            <a:schemeClr val="dk1"/>
+          </a:fillRef>
+          <a:effectRef idx="2">
+            <a:schemeClr val="dk1"/>
+          </a:effectRef>
+          <a:fontRef idx="minor">
+            <a:schemeClr val="tx1"/>
+          </a:fontRef>
+        </p:style>
+      </p:cxnSp>
+      <p:sp>
+        <p:nvSpPr>
+          <p:cNvPr id="184" name="Flussdiagramm: Magnetplattenspeicher 183"/>
+          <p:cNvSpPr/>
+          <p:nvPr/>
+        </p:nvSpPr>
+        <p:spPr>
+          <a:xfrm>
+            <a:off x="9132429" y="4234478"/>
+            <a:ext cx="1100593" cy="609888"/>
+          </a:xfrm>
+          <a:prstGeom prst="flowChartMagneticDisk">
+            <a:avLst/>
+          </a:prstGeom>
+          <a:solidFill>
+            <a:schemeClr val="accent1">
+              <a:lumMod val="60000"/>
+              <a:lumOff val="40000"/>
+            </a:schemeClr>
+          </a:solidFill>
+          <a:ln>
+            <a:noFill/>
+          </a:ln>
+        </p:spPr>
+        <p:style>
+          <a:lnRef idx="2">
+            <a:schemeClr val="accent1">
+              <a:shade val="50000"/>
+            </a:schemeClr>
+          </a:lnRef>
+          <a:fillRef idx="1">
+            <a:schemeClr val="accent1"/>
+          </a:fillRef>
+          <a:effectRef idx="0">
+            <a:schemeClr val="accent1"/>
+          </a:effectRef>
+          <a:fontRef idx="minor">
+            <a:schemeClr val="lt1"/>
+          </a:fontRef>
+        </p:style>
+        <p:txBody>
+          <a:bodyPr rtlCol="0" anchor="ctr"/>
+          <a:lstStyle/>
+          <a:p>
+            <a:pPr algn="ctr"/>
+            <a:r>
+              <a:rPr lang="de-DE" dirty="0" err="1">
+                <a:solidFill>
+                  <a:schemeClr val="tx1"/>
+                </a:solidFill>
+              </a:rPr>
+              <a:t>Context</a:t>
+            </a:r>
+            <a:r>
+              <a:rPr lang="de-DE" dirty="0">
+                <a:solidFill>
+                  <a:schemeClr val="tx1"/>
+                </a:solidFill>
+              </a:rPr>
+              <a:t> Model</a:t>
+            </a:r>
+            <a:endParaRPr lang="en-US" dirty="0">
+              <a:solidFill>
+                <a:schemeClr val="tx1"/>
+              </a:solidFill>
+            </a:endParaRPr>
+          </a:p>
+        </p:txBody>
+      </p:sp>
+      <p:cxnSp>
+        <p:nvCxnSpPr>
+          <p:cNvPr id="191" name="Gewinkelte Verbindung 14"/>
+          <p:cNvCxnSpPr>
+            <a:cxnSpLocks/>
+            <a:stCxn id="184" idx="3"/>
+            <a:endCxn id="146" idx="0"/>
+          </p:cNvCxnSpPr>
+          <p:nvPr/>
+        </p:nvCxnSpPr>
+        <p:spPr>
+          <a:xfrm rot="5400000">
+            <a:off x="9398915" y="5127641"/>
+            <a:ext cx="567086" cy="537"/>
+          </a:xfrm>
+          <a:prstGeom prst="bentConnector3">
+            <a:avLst>
+              <a:gd name="adj1" fmla="val 50000"/>
+            </a:avLst>
+          </a:prstGeom>
+          <a:ln>
+            <a:headEnd type="none" w="med" len="med"/>
+            <a:tailEnd type="triangle" w="med" len="med"/>
+          </a:ln>
+        </p:spPr>
+        <p:style>
+          <a:lnRef idx="3">
+            <a:schemeClr val="dk1"/>
+          </a:lnRef>
+          <a:fillRef idx="0">
+            <a:schemeClr val="dk1"/>
+          </a:fillRef>
+          <a:effectRef idx="2">
+            <a:schemeClr val="dk1"/>
+          </a:effectRef>
+          <a:fontRef idx="minor">
+            <a:schemeClr val="tx1"/>
+          </a:fontRef>
+        </p:style>
+      </p:cxnSp>
+      <p:cxnSp>
+        <p:nvCxnSpPr>
+          <p:cNvPr id="211" name="Gerade Verbindung mit Pfeil 210"/>
+          <p:cNvCxnSpPr>
+            <a:cxnSpLocks/>
+            <a:stCxn id="146" idx="2"/>
+          </p:cNvCxnSpPr>
+          <p:nvPr/>
+        </p:nvCxnSpPr>
+        <p:spPr>
+          <a:xfrm flipH="1">
+            <a:off x="9679310" y="5895259"/>
+            <a:ext cx="2879" cy="434494"/>
+          </a:xfrm>
+          <a:prstGeom prst="straightConnector1">
+            <a:avLst/>
+          </a:prstGeom>
+          <a:ln>
+            <a:headEnd type="none" w="med" len="med"/>
+            <a:tailEnd type="triangle" w="med" len="med"/>
+          </a:ln>
+        </p:spPr>
+        <p:style>
+          <a:lnRef idx="3">
+            <a:schemeClr val="dk1"/>
+          </a:lnRef>
+          <a:fillRef idx="0">
+            <a:schemeClr val="dk1"/>
+          </a:fillRef>
+          <a:effectRef idx="2">
+            <a:schemeClr val="dk1"/>
+          </a:effectRef>
+          <a:fontRef idx="minor">
+            <a:schemeClr val="tx1"/>
+          </a:fontRef>
+        </p:style>
+      </p:cxnSp>
+      <p:sp>
+        <p:nvSpPr>
+          <p:cNvPr id="214" name="Rechteck: abgerundete Ecken 213"/>
+          <p:cNvSpPr/>
+          <p:nvPr/>
+        </p:nvSpPr>
+        <p:spPr>
+          <a:xfrm>
+            <a:off x="3034307" y="2702415"/>
+            <a:ext cx="2032779" cy="483807"/>
+          </a:xfrm>
+          <a:prstGeom prst="roundRect">
+            <a:avLst/>
+          </a:prstGeom>
+          <a:solidFill>
+            <a:schemeClr val="accent1"/>
+          </a:solidFill>
+          <a:ln>
+            <a:prstDash val="dash"/>
+          </a:ln>
+        </p:spPr>
+        <p:style>
+          <a:lnRef idx="2">
+            <a:schemeClr val="accent1">
+              <a:shade val="50000"/>
+            </a:schemeClr>
+          </a:lnRef>
+          <a:fillRef idx="1">
+            <a:schemeClr val="accent1"/>
+          </a:fillRef>
+          <a:effectRef idx="0">
+            <a:schemeClr val="accent1"/>
+          </a:effectRef>
+          <a:fontRef idx="minor">
+            <a:schemeClr val="lt1"/>
+          </a:fontRef>
+        </p:style>
+        <p:txBody>
+          <a:bodyPr rtlCol="0" anchor="ctr"/>
+          <a:lstStyle/>
+          <a:p>
+            <a:pPr algn="ctr"/>
+            <a:r>
+              <a:rPr lang="de-DE" dirty="0" err="1">
+                <a:solidFill>
+                  <a:schemeClr val="tx1"/>
+                </a:solidFill>
+              </a:rPr>
+              <a:t>QuerySource</a:t>
+            </a:r>
+            <a:r>
+              <a:rPr lang="de-DE" dirty="0">
+                <a:solidFill>
+                  <a:schemeClr val="tx1"/>
+                </a:solidFill>
+              </a:rPr>
+              <a:t>(n)</a:t>
+            </a:r>
+            <a:endParaRPr lang="en-US" dirty="0">
+              <a:solidFill>
+                <a:schemeClr val="tx1"/>
+              </a:solidFill>
+            </a:endParaRPr>
+          </a:p>
+        </p:txBody>
+      </p:sp>
+      <p:cxnSp>
+        <p:nvCxnSpPr>
+          <p:cNvPr id="221" name="Gerade Verbindung mit Pfeil 220"/>
+          <p:cNvCxnSpPr>
+            <a:cxnSpLocks/>
+            <a:stCxn id="179" idx="2"/>
+            <a:endCxn id="184" idx="1"/>
+          </p:cNvCxnSpPr>
+          <p:nvPr/>
+        </p:nvCxnSpPr>
+        <p:spPr>
+          <a:xfrm>
+            <a:off x="9677674" y="3753497"/>
+            <a:ext cx="5052" cy="480981"/>
+          </a:xfrm>
+          <a:prstGeom prst="straightConnector1">
+            <a:avLst/>
+          </a:prstGeom>
+          <a:ln>
+            <a:headEnd type="none" w="med" len="med"/>
+            <a:tailEnd type="triangle" w="med" len="med"/>
+          </a:ln>
+        </p:spPr>
+        <p:style>
+          <a:lnRef idx="3">
+            <a:schemeClr val="dk1"/>
+          </a:lnRef>
+          <a:fillRef idx="0">
+            <a:schemeClr val="dk1"/>
+          </a:fillRef>
+          <a:effectRef idx="2">
+            <a:schemeClr val="dk1"/>
+          </a:effectRef>
+          <a:fontRef idx="minor">
+            <a:schemeClr val="tx1"/>
+          </a:fontRef>
+        </p:style>
+      </p:cxnSp>
+    </p:spTree>
+    <p:extLst>
+      <p:ext uri="{BB962C8B-B14F-4D97-AF65-F5344CB8AC3E}">
+        <p14:creationId xmlns:p14="http://schemas.microsoft.com/office/powerpoint/2010/main" val="3257754123"/>
       </p:ext>
     </p:extLst>
   </p:cSld>
